--- a/Documentação/Apresentação.pptx
+++ b/Documentação/Apresentação.pptx
@@ -5,7 +5,7 @@
     <p:sldMasterId id="2147483672" r:id="rId1"/>
   </p:sldMasterIdLst>
   <p:notesMasterIdLst>
-    <p:notesMasterId r:id="rId7"/>
+    <p:notesMasterId r:id="rId12"/>
   </p:notesMasterIdLst>
   <p:sldIdLst>
     <p:sldId id="256" r:id="rId2"/>
@@ -13,6 +13,11 @@
     <p:sldId id="257" r:id="rId4"/>
     <p:sldId id="259" r:id="rId5"/>
     <p:sldId id="258" r:id="rId6"/>
+    <p:sldId id="261" r:id="rId7"/>
+    <p:sldId id="262" r:id="rId8"/>
+    <p:sldId id="263" r:id="rId9"/>
+    <p:sldId id="264" r:id="rId10"/>
+    <p:sldId id="265" r:id="rId11"/>
   </p:sldIdLst>
   <p:sldSz cx="9144000" cy="6858000" type="screen4x3"/>
   <p:notesSz cx="6858000" cy="9144000"/>
@@ -654,10 +659,12 @@
                 <a:ea typeface="+mn-ea"/>
                 <a:cs typeface="+mn-cs"/>
               </a:rPr>
-              <a:t>A sociedade vive hoje num ritmo extremamente acelerado, onde cada vez mais informação está disponível para nossa</a:t>
-            </a:r>
-            <a:r>
-              <a:rPr lang="pt-BR" sz="1200" b="0" i="0" kern="1200" baseline="0" dirty="0" smtClean="0">
+              <a:t>SOCIEDADE ATUAL...</a:t>
+            </a:r>
+          </a:p>
+          <a:p>
+            <a:r>
+              <a:rPr lang="pt-BR" sz="1200" b="0" i="0" kern="1200" dirty="0" smtClean="0">
                 <a:solidFill>
                   <a:schemeClr val="tx1"/>
                 </a:solidFill>
@@ -665,10 +672,10 @@
                 <a:ea typeface="+mn-ea"/>
                 <a:cs typeface="+mn-cs"/>
               </a:rPr>
-              <a:t> c</a:t>
-            </a:r>
-            <a:r>
-              <a:rPr lang="pt-BR" sz="1200" b="0" i="0" kern="1200" dirty="0" smtClean="0">
+              <a:t>A sociedade vive hoje num ritmo extremamente acelerado, onde cada vez mais informação está disponível para nossa</a:t>
+            </a:r>
+            <a:r>
+              <a:rPr lang="pt-BR" sz="1200" b="0" i="0" kern="1200" baseline="0" dirty="0" smtClean="0">
                 <a:solidFill>
                   <a:schemeClr val="tx1"/>
                 </a:solidFill>
@@ -676,10 +683,10 @@
                 <a:ea typeface="+mn-ea"/>
                 <a:cs typeface="+mn-cs"/>
               </a:rPr>
-              <a:t>onsulta;</a:t>
-            </a:r>
-            <a:r>
-              <a:rPr lang="pt-BR" sz="1200" b="0" i="0" kern="1200" baseline="0" dirty="0" smtClean="0">
+              <a:t> c</a:t>
+            </a:r>
+            <a:r>
+              <a:rPr lang="pt-BR" sz="1200" b="0" i="0" kern="1200" dirty="0" smtClean="0">
                 <a:solidFill>
                   <a:schemeClr val="tx1"/>
                 </a:solidFill>
@@ -687,10 +694,8 @@
                 <a:ea typeface="+mn-ea"/>
                 <a:cs typeface="+mn-cs"/>
               </a:rPr>
-              <a:t> encontramos informações relevantes a cada segundo na internet e que muitas vezes são extremamente importantes, porém pouco disso será realmente armazenado pelo nosso cérebro devido a poluição de informação que estamos expostos. </a:t>
-            </a:r>
-          </a:p>
-          <a:p>
+              <a:t>onsulta;</a:t>
+            </a:r>
             <a:r>
               <a:rPr lang="pt-BR" sz="1200" b="0" i="0" kern="1200" baseline="0" dirty="0" smtClean="0">
                 <a:solidFill>
@@ -700,7 +705,7 @@
                 <a:ea typeface="+mn-ea"/>
                 <a:cs typeface="+mn-cs"/>
               </a:rPr>
-              <a:t>Então se torna essencial que todo aprendizado seja de fato retido e que o conhecimento se mantenha e se perpetue.</a:t>
+              <a:t> encontramos informações relevantes a cada segundo na internet e que muitas vezes são extremamente importantes, porém pouco disso será realmente armazenado pelo nosso cérebro devido a poluição de informação que estamos expostos. </a:t>
             </a:r>
           </a:p>
           <a:p>
@@ -713,10 +718,29 @@
                 <a:ea typeface="+mn-ea"/>
                 <a:cs typeface="+mn-cs"/>
               </a:rPr>
-              <a:t>E nesse contexto de otimização do aprendizado que em 1946 o prof. Edgar </a:t>
-            </a:r>
-            <a:r>
-              <a:rPr lang="pt-BR" sz="1200" b="0" i="0" kern="1200" baseline="0" dirty="0" err="1" smtClean="0">
+              <a:t>Então se torna essencial que todo aprendizado seja de fato retido e que o conhecimento se mantenha e se perpetue.</a:t>
+            </a:r>
+          </a:p>
+          <a:p>
+            <a:pPr marL="0" marR="0" indent="0" algn="l" defTabSz="914400" rtl="0" eaLnBrk="1" fontAlgn="auto" latinLnBrk="0" hangingPunct="1">
+              <a:lnSpc>
+                <a:spcPct val="100000"/>
+              </a:lnSpc>
+              <a:spcBef>
+                <a:spcPts val="0"/>
+              </a:spcBef>
+              <a:spcAft>
+                <a:spcPts val="0"/>
+              </a:spcAft>
+              <a:buClrTx/>
+              <a:buSzTx/>
+              <a:buFontTx/>
+              <a:buNone/>
+              <a:tabLst/>
+              <a:defRPr/>
+            </a:pPr>
+            <a:r>
+              <a:rPr lang="pt-BR" sz="1200" kern="1200" baseline="0" dirty="0" smtClean="0">
                 <a:solidFill>
                   <a:schemeClr val="tx1"/>
                 </a:solidFill>
@@ -724,8 +748,18 @@
                 <a:ea typeface="+mn-ea"/>
                 <a:cs typeface="+mn-cs"/>
               </a:rPr>
-              <a:t>Dale</a:t>
-            </a:r>
+              <a:t>(CLICA)</a:t>
+            </a:r>
+            <a:endParaRPr lang="pt-BR" sz="1200" b="0" i="0" kern="1200" baseline="0" dirty="0" smtClean="0">
+              <a:solidFill>
+                <a:schemeClr val="tx1"/>
+              </a:solidFill>
+              <a:latin typeface="+mn-lt"/>
+              <a:ea typeface="+mn-ea"/>
+              <a:cs typeface="+mn-cs"/>
+            </a:endParaRPr>
+          </a:p>
+          <a:p>
             <a:r>
               <a:rPr lang="pt-BR" sz="1200" b="0" i="0" kern="1200" baseline="0" dirty="0" smtClean="0">
                 <a:solidFill>
@@ -735,10 +769,12 @@
                 <a:ea typeface="+mn-ea"/>
                 <a:cs typeface="+mn-cs"/>
               </a:rPr>
-              <a:t>, a partir de pesquisas sobre retenção de informação, ao usar diferentes métodos de </a:t>
-            </a:r>
-            <a:r>
-              <a:rPr lang="pt-BR" sz="1200" b="0" i="0" kern="1200" baseline="0" dirty="0" err="1" smtClean="0">
+              <a:t>OTIMIZANDO</a:t>
+            </a:r>
+          </a:p>
+          <a:p>
+            <a:r>
+              <a:rPr lang="pt-BR" sz="1200" b="0" i="0" kern="1200" baseline="0" dirty="0" smtClean="0">
                 <a:solidFill>
                   <a:schemeClr val="tx1"/>
                 </a:solidFill>
@@ -746,10 +782,10 @@
                 <a:ea typeface="+mn-ea"/>
                 <a:cs typeface="+mn-cs"/>
               </a:rPr>
-              <a:t>aprendizadem</a:t>
-            </a:r>
-            <a:r>
-              <a:rPr lang="pt-BR" sz="1200" b="0" i="0" kern="1200" baseline="0" dirty="0" smtClean="0">
+              <a:t>E nesse contexto de otimização do aprendizado que em 1946 o prof. Edgar </a:t>
+            </a:r>
+            <a:r>
+              <a:rPr lang="pt-BR" sz="1200" b="0" i="0" kern="1200" baseline="0" dirty="0" err="1" smtClean="0">
                 <a:solidFill>
                   <a:schemeClr val="tx1"/>
                 </a:solidFill>
@@ -757,8 +793,79 @@
                 <a:ea typeface="+mn-ea"/>
                 <a:cs typeface="+mn-cs"/>
               </a:rPr>
+              <a:t>Dale</a:t>
+            </a:r>
+            <a:r>
+              <a:rPr lang="pt-BR" sz="1200" b="0" i="0" kern="1200" baseline="0" dirty="0" smtClean="0">
+                <a:solidFill>
+                  <a:schemeClr val="tx1"/>
+                </a:solidFill>
+                <a:latin typeface="+mn-lt"/>
+                <a:ea typeface="+mn-ea"/>
+                <a:cs typeface="+mn-cs"/>
+              </a:rPr>
+              <a:t>, a partir de pesquisas sobre retenção de informação, ao usar diferentes métodos de </a:t>
+            </a:r>
+            <a:r>
+              <a:rPr lang="pt-BR" sz="1200" b="0" i="0" kern="1200" baseline="0" dirty="0" err="1" smtClean="0">
+                <a:solidFill>
+                  <a:schemeClr val="tx1"/>
+                </a:solidFill>
+                <a:latin typeface="+mn-lt"/>
+                <a:ea typeface="+mn-ea"/>
+                <a:cs typeface="+mn-cs"/>
+              </a:rPr>
+              <a:t>aprendizadem</a:t>
+            </a:r>
+            <a:r>
+              <a:rPr lang="pt-BR" sz="1200" b="0" i="0" kern="1200" baseline="0" dirty="0" smtClean="0">
+                <a:solidFill>
+                  <a:schemeClr val="tx1"/>
+                </a:solidFill>
+                <a:latin typeface="+mn-lt"/>
+                <a:ea typeface="+mn-ea"/>
+                <a:cs typeface="+mn-cs"/>
+              </a:rPr>
               <a:t>, criou a PIRÂMIDE DE APRENDIZAGEM.</a:t>
             </a:r>
+          </a:p>
+          <a:p>
+            <a:pPr marL="0" marR="0" indent="0" algn="l" defTabSz="914400" rtl="0" eaLnBrk="1" fontAlgn="auto" latinLnBrk="0" hangingPunct="1">
+              <a:lnSpc>
+                <a:spcPct val="100000"/>
+              </a:lnSpc>
+              <a:spcBef>
+                <a:spcPts val="0"/>
+              </a:spcBef>
+              <a:spcAft>
+                <a:spcPts val="0"/>
+              </a:spcAft>
+              <a:buClrTx/>
+              <a:buSzTx/>
+              <a:buFontTx/>
+              <a:buNone/>
+              <a:tabLst/>
+              <a:defRPr/>
+            </a:pPr>
+            <a:r>
+              <a:rPr lang="pt-BR" sz="1200" kern="1200" baseline="0" dirty="0" smtClean="0">
+                <a:solidFill>
+                  <a:schemeClr val="tx1"/>
+                </a:solidFill>
+                <a:latin typeface="+mn-lt"/>
+                <a:ea typeface="+mn-ea"/>
+                <a:cs typeface="+mn-cs"/>
+              </a:rPr>
+              <a:t>(CLICA)</a:t>
+            </a:r>
+            <a:endParaRPr lang="pt-BR" sz="1200" b="0" i="0" kern="1200" baseline="0" dirty="0" smtClean="0">
+              <a:solidFill>
+                <a:schemeClr val="tx1"/>
+              </a:solidFill>
+              <a:latin typeface="+mn-lt"/>
+              <a:ea typeface="+mn-ea"/>
+              <a:cs typeface="+mn-cs"/>
+            </a:endParaRPr>
           </a:p>
           <a:p>
             <a:r>
@@ -897,7 +1004,237 @@
                 <a:ea typeface="+mn-ea"/>
                 <a:cs typeface="+mn-cs"/>
               </a:rPr>
-              <a:t>Romper com o modelo atual de aprendizado, onde um professor é responsável pelo conhecimento da classe. Onde uma pessoa é o único dono do conhecimento</a:t>
+              <a:t>Hoje em dia, o</a:t>
+            </a:r>
+            <a:r>
+              <a:rPr lang="pt-BR" sz="1200" b="0" i="0" kern="1200" dirty="0" smtClean="0">
+                <a:solidFill>
+                  <a:schemeClr val="tx1"/>
+                </a:solidFill>
+                <a:latin typeface="+mn-lt"/>
+                <a:ea typeface="+mn-ea"/>
+                <a:cs typeface="+mn-cs"/>
+              </a:rPr>
+              <a:t> professor é responsável pelo conhecimento da classe. Ou seja, uma pessoa é o único dono do conhecimento.</a:t>
+            </a:r>
+          </a:p>
+          <a:p>
+            <a:pPr marL="0" marR="0" indent="0" algn="l" defTabSz="914400" rtl="0" eaLnBrk="1" fontAlgn="auto" latinLnBrk="0" hangingPunct="1">
+              <a:lnSpc>
+                <a:spcPct val="100000"/>
+              </a:lnSpc>
+              <a:spcBef>
+                <a:spcPts val="0"/>
+              </a:spcBef>
+              <a:spcAft>
+                <a:spcPts val="0"/>
+              </a:spcAft>
+              <a:buClrTx/>
+              <a:buSzTx/>
+              <a:buFontTx/>
+              <a:buNone/>
+              <a:tabLst/>
+              <a:defRPr/>
+            </a:pPr>
+            <a:r>
+              <a:rPr lang="pt-BR" sz="1200" kern="1200" baseline="0" dirty="0" smtClean="0">
+                <a:solidFill>
+                  <a:schemeClr val="tx1"/>
+                </a:solidFill>
+                <a:latin typeface="+mn-lt"/>
+                <a:ea typeface="+mn-ea"/>
+                <a:cs typeface="+mn-cs"/>
+              </a:rPr>
+              <a:t>(CLICA)</a:t>
+            </a:r>
+            <a:endParaRPr lang="pt-BR" sz="1200" b="0" i="0" kern="1200" dirty="0" smtClean="0">
+              <a:solidFill>
+                <a:schemeClr val="tx1"/>
+              </a:solidFill>
+              <a:latin typeface="+mn-lt"/>
+              <a:ea typeface="+mn-ea"/>
+              <a:cs typeface="+mn-cs"/>
+            </a:endParaRPr>
+          </a:p>
+          <a:p>
+            <a:r>
+              <a:rPr lang="pt-BR" sz="1200" b="0" i="0" kern="1200" dirty="0" smtClean="0">
+                <a:solidFill>
+                  <a:schemeClr val="tx1"/>
+                </a:solidFill>
+                <a:latin typeface="+mn-lt"/>
+                <a:ea typeface="+mn-ea"/>
+                <a:cs typeface="+mn-cs"/>
+              </a:rPr>
+              <a:t>Nossa idéia é romper com esse modelo, tornar o</a:t>
+            </a:r>
+            <a:r>
+              <a:rPr lang="pt-BR" sz="1200" b="0" i="0" kern="1200" baseline="0" dirty="0" smtClean="0">
+                <a:solidFill>
+                  <a:schemeClr val="tx1"/>
+                </a:solidFill>
+                <a:latin typeface="+mn-lt"/>
+                <a:ea typeface="+mn-ea"/>
+                <a:cs typeface="+mn-cs"/>
+              </a:rPr>
+              <a:t> aprendizado universal e horizontalizado, tornar possível qualquer pessoa aprender algo novo, do mesmo modo que qualquer pessoa é capaz de ensinar aos outros.</a:t>
+            </a:r>
+          </a:p>
+          <a:p>
+            <a:pPr marL="0" marR="0" indent="0" algn="l" defTabSz="914400" rtl="0" eaLnBrk="1" fontAlgn="auto" latinLnBrk="0" hangingPunct="1">
+              <a:lnSpc>
+                <a:spcPct val="100000"/>
+              </a:lnSpc>
+              <a:spcBef>
+                <a:spcPts val="0"/>
+              </a:spcBef>
+              <a:spcAft>
+                <a:spcPts val="0"/>
+              </a:spcAft>
+              <a:buClrTx/>
+              <a:buSzTx/>
+              <a:buFontTx/>
+              <a:buNone/>
+              <a:tabLst/>
+              <a:defRPr/>
+            </a:pPr>
+            <a:r>
+              <a:rPr lang="pt-BR" sz="1200" kern="1200" baseline="0" dirty="0" smtClean="0">
+                <a:solidFill>
+                  <a:schemeClr val="tx1"/>
+                </a:solidFill>
+                <a:latin typeface="+mn-lt"/>
+                <a:ea typeface="+mn-ea"/>
+                <a:cs typeface="+mn-cs"/>
+              </a:rPr>
+              <a:t>(CLICA)</a:t>
+            </a:r>
+          </a:p>
+          <a:p>
+            <a:pPr marL="0" marR="0" indent="0" algn="l" defTabSz="914400" rtl="0" eaLnBrk="1" fontAlgn="auto" latinLnBrk="0" hangingPunct="1">
+              <a:lnSpc>
+                <a:spcPct val="100000"/>
+              </a:lnSpc>
+              <a:spcBef>
+                <a:spcPts val="0"/>
+              </a:spcBef>
+              <a:spcAft>
+                <a:spcPts val="0"/>
+              </a:spcAft>
+              <a:buClrTx/>
+              <a:buSzTx/>
+              <a:buFontTx/>
+              <a:buNone/>
+              <a:tabLst/>
+              <a:defRPr/>
+            </a:pPr>
+            <a:r>
+              <a:rPr lang="pt-BR" sz="1200" kern="1200" baseline="0" dirty="0" smtClean="0">
+                <a:solidFill>
+                  <a:schemeClr val="tx1"/>
+                </a:solidFill>
+                <a:latin typeface="+mn-lt"/>
+                <a:ea typeface="+mn-ea"/>
+                <a:cs typeface="+mn-cs"/>
+              </a:rPr>
+              <a:t>(CLICA)</a:t>
+            </a:r>
+            <a:endParaRPr lang="pt-BR" sz="1200" b="0" i="0" kern="1200" baseline="0" dirty="0" smtClean="0">
+              <a:solidFill>
+                <a:schemeClr val="tx1"/>
+              </a:solidFill>
+              <a:latin typeface="+mn-lt"/>
+              <a:ea typeface="+mn-ea"/>
+              <a:cs typeface="+mn-cs"/>
+            </a:endParaRPr>
+          </a:p>
+          <a:p>
+            <a:pPr marL="0" marR="0" indent="0" algn="l" defTabSz="914400" rtl="0" eaLnBrk="1" fontAlgn="auto" latinLnBrk="0" hangingPunct="1">
+              <a:lnSpc>
+                <a:spcPct val="100000"/>
+              </a:lnSpc>
+              <a:spcBef>
+                <a:spcPts val="0"/>
+              </a:spcBef>
+              <a:spcAft>
+                <a:spcPts val="0"/>
+              </a:spcAft>
+              <a:buClrTx/>
+              <a:buSzTx/>
+              <a:buFontTx/>
+              <a:buNone/>
+              <a:tabLst/>
+              <a:defRPr/>
+            </a:pPr>
+            <a:r>
+              <a:rPr lang="pt-BR" sz="1200" b="0" i="0" kern="1200" baseline="0" dirty="0" smtClean="0">
+                <a:solidFill>
+                  <a:schemeClr val="tx1"/>
+                </a:solidFill>
+                <a:latin typeface="+mn-lt"/>
+                <a:ea typeface="+mn-ea"/>
+                <a:cs typeface="+mn-cs"/>
+              </a:rPr>
+              <a:t>Nosso objetivo é </a:t>
+            </a:r>
+            <a:r>
+              <a:rPr lang="pt-BR" sz="1200" b="1" dirty="0" smtClean="0">
+                <a:solidFill>
+                  <a:schemeClr val="bg2">
+                    <a:lumMod val="25000"/>
+                  </a:schemeClr>
+                </a:solidFill>
+              </a:rPr>
+              <a:t>Acabar com as barreiras para o conhecimento tornando possível qualquer pessoa aprender ou ensinar através de uma plataforma de estudos.</a:t>
+            </a:r>
+          </a:p>
+          <a:p>
+            <a:pPr marL="0" marR="0" indent="0" algn="l" defTabSz="914400" rtl="0" eaLnBrk="1" fontAlgn="auto" latinLnBrk="0" hangingPunct="1">
+              <a:lnSpc>
+                <a:spcPct val="100000"/>
+              </a:lnSpc>
+              <a:spcBef>
+                <a:spcPts val="0"/>
+              </a:spcBef>
+              <a:spcAft>
+                <a:spcPts val="0"/>
+              </a:spcAft>
+              <a:buClrTx/>
+              <a:buSzTx/>
+              <a:buFontTx/>
+              <a:buNone/>
+              <a:tabLst/>
+              <a:defRPr/>
+            </a:pPr>
+            <a:r>
+              <a:rPr lang="pt-BR" sz="1200" b="0" dirty="0" smtClean="0">
+                <a:solidFill>
+                  <a:schemeClr val="bg2">
+                    <a:lumMod val="25000"/>
+                  </a:schemeClr>
+                </a:solidFill>
+              </a:rPr>
+              <a:t>Isso</a:t>
+            </a:r>
+            <a:r>
+              <a:rPr lang="pt-BR" sz="1200" b="0" baseline="0" dirty="0" smtClean="0">
+                <a:solidFill>
+                  <a:schemeClr val="bg2">
+                    <a:lumMod val="25000"/>
+                  </a:schemeClr>
+                </a:solidFill>
+              </a:rPr>
+              <a:t> cria espaço para por exemplo, alunos que estudam a mesma matéria, mas cada um tem facilidade em um conceito diferente, o ideal seria juntar cada uma dessas facilidades e isso que nossa solução propõe: </a:t>
+            </a:r>
+            <a:r>
+              <a:rPr lang="pt-BR" sz="1200" b="1" baseline="0" dirty="0" smtClean="0">
+                <a:solidFill>
+                  <a:schemeClr val="bg2">
+                    <a:lumMod val="25000"/>
+                  </a:schemeClr>
+                </a:solidFill>
+              </a:rPr>
+              <a:t>utilizar o melhor de cada um em prol do ensino.</a:t>
             </a:r>
             <a:r>
               <a:rPr lang="pt-BR" dirty="0" smtClean="0"/>
@@ -917,7 +1254,6 @@
               </a:rPr>
               <a:t>Isso também remete a uma atitude profundamente altruísta, o que significa estar disposto a contribuir com o conhecimentos dos outros, o que sempre estará atrelado ao nosso próprio conhecimento</a:t>
             </a:r>
-            <a:endParaRPr lang="pt-BR" dirty="0"/>
           </a:p>
         </p:txBody>
       </p:sp>
@@ -939,6 +1275,940 @@
             <a:fld id="{F72459E9-D26B-4923-A349-7337E75C4127}" type="slidenum">
               <a:rPr lang="pt-BR" smtClean="0"/>
               <a:t>5</a:t>
+            </a:fld>
+            <a:endParaRPr lang="pt-BR"/>
+          </a:p>
+        </p:txBody>
+      </p:sp>
+    </p:spTree>
+  </p:cSld>
+  <p:clrMapOvr>
+    <a:masterClrMapping/>
+  </p:clrMapOvr>
+</p:notes>
+</file>
+
+<file path=ppt/notesSlides/notesSlide4.xml><?xml version="1.0" encoding="utf-8"?>
+<p:notes xmlns:a="http://schemas.openxmlformats.org/drawingml/2006/main" xmlns:r="http://schemas.openxmlformats.org/officeDocument/2006/relationships" xmlns:p="http://schemas.openxmlformats.org/presentationml/2006/main">
+  <p:cSld>
+    <p:spTree>
+      <p:nvGrpSpPr>
+        <p:cNvPr id="1" name=""/>
+        <p:cNvGrpSpPr/>
+        <p:nvPr/>
+      </p:nvGrpSpPr>
+      <p:grpSpPr>
+        <a:xfrm>
+          <a:off x="0" y="0"/>
+          <a:ext cx="0" cy="0"/>
+          <a:chOff x="0" y="0"/>
+          <a:chExt cx="0" cy="0"/>
+        </a:xfrm>
+      </p:grpSpPr>
+      <p:sp>
+        <p:nvSpPr>
+          <p:cNvPr id="2" name="Espaço Reservado para Imagem de Slide 1"/>
+          <p:cNvSpPr>
+            <a:spLocks noGrp="1" noRot="1" noChangeAspect="1"/>
+          </p:cNvSpPr>
+          <p:nvPr>
+            <p:ph type="sldImg"/>
+          </p:nvPr>
+        </p:nvSpPr>
+        <p:spPr/>
+      </p:sp>
+      <p:sp>
+        <p:nvSpPr>
+          <p:cNvPr id="3" name="Espaço Reservado para Anotações 2"/>
+          <p:cNvSpPr>
+            <a:spLocks noGrp="1"/>
+          </p:cNvSpPr>
+          <p:nvPr>
+            <p:ph type="body" idx="1"/>
+          </p:nvPr>
+        </p:nvSpPr>
+        <p:spPr/>
+        <p:txBody>
+          <a:bodyPr>
+            <a:normAutofit/>
+          </a:bodyPr>
+          <a:lstStyle/>
+          <a:p>
+            <a:pPr marL="0" marR="0" indent="0" algn="l" defTabSz="914400" rtl="0" eaLnBrk="1" fontAlgn="auto" latinLnBrk="0" hangingPunct="1">
+              <a:lnSpc>
+                <a:spcPct val="100000"/>
+              </a:lnSpc>
+              <a:spcBef>
+                <a:spcPts val="0"/>
+              </a:spcBef>
+              <a:spcAft>
+                <a:spcPts val="0"/>
+              </a:spcAft>
+              <a:buClrTx/>
+              <a:buSzTx/>
+              <a:buFontTx/>
+              <a:buNone/>
+              <a:tabLst/>
+              <a:defRPr/>
+            </a:pPr>
+            <a:r>
+              <a:rPr lang="pt-BR" sz="1200" kern="1200" dirty="0" smtClean="0">
+                <a:solidFill>
+                  <a:schemeClr val="tx1"/>
+                </a:solidFill>
+                <a:latin typeface="+mn-lt"/>
+                <a:ea typeface="+mn-ea"/>
+                <a:cs typeface="+mn-cs"/>
+              </a:rPr>
+              <a:t>COMO FUNCIONA</a:t>
+            </a:r>
+          </a:p>
+          <a:p>
+            <a:pPr marL="0" marR="0" indent="0" algn="l" defTabSz="914400" rtl="0" eaLnBrk="1" fontAlgn="auto" latinLnBrk="0" hangingPunct="1">
+              <a:lnSpc>
+                <a:spcPct val="100000"/>
+              </a:lnSpc>
+              <a:spcBef>
+                <a:spcPts val="0"/>
+              </a:spcBef>
+              <a:spcAft>
+                <a:spcPts val="0"/>
+              </a:spcAft>
+              <a:buClrTx/>
+              <a:buSzTx/>
+              <a:buFontTx/>
+              <a:buNone/>
+              <a:tabLst/>
+              <a:defRPr/>
+            </a:pPr>
+            <a:r>
+              <a:rPr lang="pt-BR" sz="1200" kern="1200" dirty="0" smtClean="0">
+                <a:solidFill>
+                  <a:schemeClr val="tx1"/>
+                </a:solidFill>
+                <a:latin typeface="+mn-lt"/>
+                <a:ea typeface="+mn-ea"/>
+                <a:cs typeface="+mn-cs"/>
+              </a:rPr>
+              <a:t>A Plataforma permitirá</a:t>
+            </a:r>
+            <a:r>
+              <a:rPr lang="pt-BR" sz="1200" kern="1200" baseline="0" dirty="0" smtClean="0">
+                <a:solidFill>
+                  <a:schemeClr val="tx1"/>
+                </a:solidFill>
+                <a:latin typeface="+mn-lt"/>
+                <a:ea typeface="+mn-ea"/>
+                <a:cs typeface="+mn-cs"/>
+              </a:rPr>
+              <a:t> que </a:t>
+            </a:r>
+            <a:r>
+              <a:rPr lang="pt-BR" sz="1200" kern="1200" dirty="0" smtClean="0">
+                <a:solidFill>
+                  <a:schemeClr val="tx1"/>
+                </a:solidFill>
+                <a:latin typeface="+mn-lt"/>
+                <a:ea typeface="+mn-ea"/>
+                <a:cs typeface="+mn-cs"/>
+              </a:rPr>
+              <a:t>professores ofereçam</a:t>
+            </a:r>
+            <a:r>
+              <a:rPr lang="pt-BR" sz="1200" kern="1200" baseline="0" dirty="0" smtClean="0">
+                <a:solidFill>
+                  <a:schemeClr val="tx1"/>
+                </a:solidFill>
+                <a:latin typeface="+mn-lt"/>
+                <a:ea typeface="+mn-ea"/>
+                <a:cs typeface="+mn-cs"/>
+              </a:rPr>
+              <a:t> </a:t>
+            </a:r>
+            <a:r>
+              <a:rPr lang="pt-BR" sz="1200" kern="1200" dirty="0" smtClean="0">
+                <a:solidFill>
+                  <a:schemeClr val="tx1"/>
+                </a:solidFill>
+                <a:latin typeface="+mn-lt"/>
+                <a:ea typeface="+mn-ea"/>
+                <a:cs typeface="+mn-cs"/>
+              </a:rPr>
+              <a:t>cursos, os quais terão </a:t>
+            </a:r>
+            <a:r>
+              <a:rPr lang="pt-BR" sz="1200" kern="1200" dirty="0" err="1" smtClean="0">
+                <a:solidFill>
+                  <a:schemeClr val="tx1"/>
+                </a:solidFill>
+                <a:latin typeface="+mn-lt"/>
+                <a:ea typeface="+mn-ea"/>
+                <a:cs typeface="+mn-cs"/>
+              </a:rPr>
+              <a:t>video</a:t>
+            </a:r>
+            <a:r>
+              <a:rPr lang="pt-BR" sz="1200" kern="1200" dirty="0" smtClean="0">
+                <a:solidFill>
+                  <a:schemeClr val="tx1"/>
+                </a:solidFill>
+                <a:latin typeface="+mn-lt"/>
+                <a:ea typeface="+mn-ea"/>
+                <a:cs typeface="+mn-cs"/>
+              </a:rPr>
+              <a:t> , texto e materiais que ajudem os alunos.</a:t>
+            </a:r>
+          </a:p>
+          <a:p>
+            <a:pPr marL="0" marR="0" indent="0" algn="l" defTabSz="914400" rtl="0" eaLnBrk="1" fontAlgn="auto" latinLnBrk="0" hangingPunct="1">
+              <a:lnSpc>
+                <a:spcPct val="100000"/>
+              </a:lnSpc>
+              <a:spcBef>
+                <a:spcPts val="0"/>
+              </a:spcBef>
+              <a:spcAft>
+                <a:spcPts val="0"/>
+              </a:spcAft>
+              <a:buClrTx/>
+              <a:buSzTx/>
+              <a:buFontTx/>
+              <a:buNone/>
+              <a:tabLst/>
+              <a:defRPr/>
+            </a:pPr>
+            <a:r>
+              <a:rPr lang="pt-BR" sz="1200" kern="1200" dirty="0" smtClean="0">
+                <a:solidFill>
+                  <a:schemeClr val="tx1"/>
+                </a:solidFill>
+                <a:latin typeface="+mn-lt"/>
+                <a:ea typeface="+mn-ea"/>
+                <a:cs typeface="+mn-cs"/>
+              </a:rPr>
+              <a:t>A</a:t>
+            </a:r>
+            <a:r>
+              <a:rPr lang="pt-BR" sz="1200" kern="1200" baseline="0" dirty="0" smtClean="0">
+                <a:solidFill>
+                  <a:schemeClr val="tx1"/>
+                </a:solidFill>
+                <a:latin typeface="+mn-lt"/>
+                <a:ea typeface="+mn-ea"/>
+                <a:cs typeface="+mn-cs"/>
+              </a:rPr>
+              <a:t> </a:t>
+            </a:r>
+            <a:r>
+              <a:rPr lang="pt-BR" sz="1200" kern="1200" baseline="0" dirty="0" err="1" smtClean="0">
+                <a:solidFill>
+                  <a:schemeClr val="tx1"/>
+                </a:solidFill>
+                <a:latin typeface="+mn-lt"/>
+                <a:ea typeface="+mn-ea"/>
+                <a:cs typeface="+mn-cs"/>
+              </a:rPr>
+              <a:t>ideia</a:t>
+            </a:r>
+            <a:r>
+              <a:rPr lang="pt-BR" sz="1200" kern="1200" baseline="0" dirty="0" smtClean="0">
+                <a:solidFill>
+                  <a:schemeClr val="tx1"/>
+                </a:solidFill>
+                <a:latin typeface="+mn-lt"/>
+                <a:ea typeface="+mn-ea"/>
+                <a:cs typeface="+mn-cs"/>
+              </a:rPr>
+              <a:t> é que cada </a:t>
+            </a:r>
+            <a:r>
+              <a:rPr lang="pt-BR" sz="1200" kern="1200" dirty="0" smtClean="0">
+                <a:solidFill>
+                  <a:schemeClr val="tx1"/>
+                </a:solidFill>
+                <a:latin typeface="+mn-lt"/>
+                <a:ea typeface="+mn-ea"/>
+                <a:cs typeface="+mn-cs"/>
+              </a:rPr>
+              <a:t>curso terá um fórum onde os alunos poderão interagir entre si e com os professores, além de salas de aula virtuais com materiais referentes a cada aula.</a:t>
+            </a:r>
+          </a:p>
+          <a:p>
+            <a:pPr marL="0" marR="0" indent="0" algn="l" defTabSz="914400" rtl="0" eaLnBrk="1" fontAlgn="auto" latinLnBrk="0" hangingPunct="1">
+              <a:lnSpc>
+                <a:spcPct val="100000"/>
+              </a:lnSpc>
+              <a:spcBef>
+                <a:spcPts val="0"/>
+              </a:spcBef>
+              <a:spcAft>
+                <a:spcPts val="0"/>
+              </a:spcAft>
+              <a:buClrTx/>
+              <a:buSzTx/>
+              <a:buFontTx/>
+              <a:buNone/>
+              <a:tabLst/>
+              <a:defRPr/>
+            </a:pPr>
+            <a:r>
+              <a:rPr lang="pt-BR" sz="1200" kern="1200" dirty="0" smtClean="0">
+                <a:solidFill>
+                  <a:schemeClr val="tx1"/>
+                </a:solidFill>
+                <a:latin typeface="+mn-lt"/>
+                <a:ea typeface="+mn-ea"/>
+                <a:cs typeface="+mn-cs"/>
+              </a:rPr>
+              <a:t>E cada</a:t>
+            </a:r>
+            <a:r>
+              <a:rPr lang="pt-BR" sz="1200" kern="1200" baseline="0" dirty="0" smtClean="0">
+                <a:solidFill>
+                  <a:schemeClr val="tx1"/>
+                </a:solidFill>
+                <a:latin typeface="+mn-lt"/>
+                <a:ea typeface="+mn-ea"/>
+                <a:cs typeface="+mn-cs"/>
+              </a:rPr>
+              <a:t> curso será ministrado por um ou mais professores que também podem eleger monitores que têm como objetivo adicionar conteúdos relevantes ou designar uma trilha melhor a ser seguida pelo aluno.</a:t>
+            </a:r>
+          </a:p>
+          <a:p>
+            <a:pPr marL="0" marR="0" indent="0" algn="l" defTabSz="914400" rtl="0" eaLnBrk="1" fontAlgn="auto" latinLnBrk="0" hangingPunct="1">
+              <a:lnSpc>
+                <a:spcPct val="100000"/>
+              </a:lnSpc>
+              <a:spcBef>
+                <a:spcPts val="0"/>
+              </a:spcBef>
+              <a:spcAft>
+                <a:spcPts val="0"/>
+              </a:spcAft>
+              <a:buClrTx/>
+              <a:buSzTx/>
+              <a:buFontTx/>
+              <a:buNone/>
+              <a:tabLst/>
+              <a:defRPr/>
+            </a:pPr>
+            <a:r>
+              <a:rPr lang="pt-BR" sz="1200" kern="1200" baseline="0" dirty="0" smtClean="0">
+                <a:solidFill>
+                  <a:schemeClr val="tx1"/>
+                </a:solidFill>
+                <a:latin typeface="+mn-lt"/>
+                <a:ea typeface="+mn-ea"/>
+                <a:cs typeface="+mn-cs"/>
+              </a:rPr>
+              <a:t>(CLICA)</a:t>
+            </a:r>
+            <a:endParaRPr lang="pt-BR" sz="1200" kern="1200" dirty="0" smtClean="0">
+              <a:solidFill>
+                <a:schemeClr val="tx1"/>
+              </a:solidFill>
+              <a:latin typeface="+mn-lt"/>
+              <a:ea typeface="+mn-ea"/>
+              <a:cs typeface="+mn-cs"/>
+            </a:endParaRPr>
+          </a:p>
+          <a:p>
+            <a:pPr marL="0" marR="0" indent="0" algn="l" defTabSz="914400" rtl="0" eaLnBrk="1" fontAlgn="auto" latinLnBrk="0" hangingPunct="1">
+              <a:lnSpc>
+                <a:spcPct val="100000"/>
+              </a:lnSpc>
+              <a:spcBef>
+                <a:spcPts val="0"/>
+              </a:spcBef>
+              <a:spcAft>
+                <a:spcPts val="0"/>
+              </a:spcAft>
+              <a:buClrTx/>
+              <a:buSzTx/>
+              <a:buFontTx/>
+              <a:buNone/>
+              <a:tabLst/>
+              <a:defRPr/>
+            </a:pPr>
+            <a:r>
+              <a:rPr lang="pt-BR" sz="1200" kern="1200" dirty="0" smtClean="0">
+                <a:solidFill>
+                  <a:schemeClr val="tx1"/>
+                </a:solidFill>
+                <a:latin typeface="+mn-lt"/>
+                <a:ea typeface="+mn-ea"/>
+                <a:cs typeface="+mn-cs"/>
+              </a:rPr>
+              <a:t>O sistema de aprendizado online será estruturado de modo que os cursos serão ranqueados pelos usuários de acordo com a proposta do mesmo,</a:t>
+            </a:r>
+            <a:r>
+              <a:rPr lang="pt-BR" sz="1200" kern="1200" baseline="0" dirty="0" smtClean="0">
+                <a:solidFill>
+                  <a:schemeClr val="tx1"/>
+                </a:solidFill>
+                <a:latin typeface="+mn-lt"/>
+                <a:ea typeface="+mn-ea"/>
+                <a:cs typeface="+mn-cs"/>
+              </a:rPr>
+              <a:t> assim o sistema se </a:t>
+            </a:r>
+            <a:r>
+              <a:rPr lang="pt-BR" sz="1200" kern="1200" baseline="0" dirty="0" err="1" smtClean="0">
+                <a:solidFill>
+                  <a:schemeClr val="tx1"/>
+                </a:solidFill>
+                <a:latin typeface="+mn-lt"/>
+                <a:ea typeface="+mn-ea"/>
+                <a:cs typeface="+mn-cs"/>
+              </a:rPr>
+              <a:t>autogerencia</a:t>
+            </a:r>
+            <a:r>
+              <a:rPr lang="pt-BR" sz="1200" kern="1200" baseline="0" dirty="0" smtClean="0">
+                <a:solidFill>
+                  <a:schemeClr val="tx1"/>
+                </a:solidFill>
+                <a:latin typeface="+mn-lt"/>
+                <a:ea typeface="+mn-ea"/>
+                <a:cs typeface="+mn-cs"/>
+              </a:rPr>
+              <a:t>, colocando as melhores aulas (aulas com melhor ranking) em destaque.</a:t>
+            </a:r>
+            <a:endParaRPr lang="pt-BR" dirty="0"/>
+          </a:p>
+        </p:txBody>
+      </p:sp>
+      <p:sp>
+        <p:nvSpPr>
+          <p:cNvPr id="4" name="Espaço Reservado para Número de Slide 3"/>
+          <p:cNvSpPr>
+            <a:spLocks noGrp="1"/>
+          </p:cNvSpPr>
+          <p:nvPr>
+            <p:ph type="sldNum" sz="quarter" idx="10"/>
+          </p:nvPr>
+        </p:nvSpPr>
+        <p:spPr/>
+        <p:txBody>
+          <a:bodyPr/>
+          <a:lstStyle/>
+          <a:p>
+            <a:fld id="{F72459E9-D26B-4923-A349-7337E75C4127}" type="slidenum">
+              <a:rPr lang="pt-BR" smtClean="0"/>
+              <a:t>6</a:t>
+            </a:fld>
+            <a:endParaRPr lang="pt-BR"/>
+          </a:p>
+        </p:txBody>
+      </p:sp>
+    </p:spTree>
+  </p:cSld>
+  <p:clrMapOvr>
+    <a:masterClrMapping/>
+  </p:clrMapOvr>
+</p:notes>
+</file>
+
+<file path=ppt/notesSlides/notesSlide5.xml><?xml version="1.0" encoding="utf-8"?>
+<p:notes xmlns:a="http://schemas.openxmlformats.org/drawingml/2006/main" xmlns:r="http://schemas.openxmlformats.org/officeDocument/2006/relationships" xmlns:p="http://schemas.openxmlformats.org/presentationml/2006/main">
+  <p:cSld>
+    <p:spTree>
+      <p:nvGrpSpPr>
+        <p:cNvPr id="1" name=""/>
+        <p:cNvGrpSpPr/>
+        <p:nvPr/>
+      </p:nvGrpSpPr>
+      <p:grpSpPr>
+        <a:xfrm>
+          <a:off x="0" y="0"/>
+          <a:ext cx="0" cy="0"/>
+          <a:chOff x="0" y="0"/>
+          <a:chExt cx="0" cy="0"/>
+        </a:xfrm>
+      </p:grpSpPr>
+      <p:sp>
+        <p:nvSpPr>
+          <p:cNvPr id="2" name="Espaço Reservado para Imagem de Slide 1"/>
+          <p:cNvSpPr>
+            <a:spLocks noGrp="1" noRot="1" noChangeAspect="1"/>
+          </p:cNvSpPr>
+          <p:nvPr>
+            <p:ph type="sldImg"/>
+          </p:nvPr>
+        </p:nvSpPr>
+        <p:spPr/>
+      </p:sp>
+      <p:sp>
+        <p:nvSpPr>
+          <p:cNvPr id="3" name="Espaço Reservado para Anotações 2"/>
+          <p:cNvSpPr>
+            <a:spLocks noGrp="1"/>
+          </p:cNvSpPr>
+          <p:nvPr>
+            <p:ph type="body" idx="1"/>
+          </p:nvPr>
+        </p:nvSpPr>
+        <p:spPr/>
+        <p:txBody>
+          <a:bodyPr>
+            <a:normAutofit/>
+          </a:bodyPr>
+          <a:lstStyle/>
+          <a:p>
+            <a:pPr marL="0" marR="0" indent="0" algn="l" defTabSz="914400" rtl="0" eaLnBrk="1" fontAlgn="auto" latinLnBrk="0" hangingPunct="1">
+              <a:lnSpc>
+                <a:spcPct val="100000"/>
+              </a:lnSpc>
+              <a:spcBef>
+                <a:spcPts val="0"/>
+              </a:spcBef>
+              <a:spcAft>
+                <a:spcPts val="0"/>
+              </a:spcAft>
+              <a:buClrTx/>
+              <a:buSzTx/>
+              <a:buFontTx/>
+              <a:buNone/>
+              <a:tabLst/>
+              <a:defRPr/>
+            </a:pPr>
+            <a:r>
+              <a:rPr lang="pt-BR" dirty="0" smtClean="0"/>
+              <a:t>PUBLCIO</a:t>
+            </a:r>
+          </a:p>
+          <a:p>
+            <a:pPr marL="0" marR="0" indent="0" algn="l" defTabSz="914400" rtl="0" eaLnBrk="1" fontAlgn="auto" latinLnBrk="0" hangingPunct="1">
+              <a:lnSpc>
+                <a:spcPct val="100000"/>
+              </a:lnSpc>
+              <a:spcBef>
+                <a:spcPts val="0"/>
+              </a:spcBef>
+              <a:spcAft>
+                <a:spcPts val="0"/>
+              </a:spcAft>
+              <a:buClrTx/>
+              <a:buSzTx/>
+              <a:buFontTx/>
+              <a:buNone/>
+              <a:tabLst/>
+              <a:defRPr/>
+            </a:pPr>
+            <a:r>
+              <a:rPr lang="pt-BR" dirty="0" smtClean="0"/>
+              <a:t>Nossa</a:t>
+            </a:r>
+            <a:r>
+              <a:rPr lang="pt-BR" baseline="0" dirty="0" smtClean="0"/>
+              <a:t> </a:t>
+            </a:r>
+            <a:r>
+              <a:rPr lang="pt-BR" baseline="0" dirty="0" err="1" smtClean="0"/>
+              <a:t>ideia</a:t>
+            </a:r>
+            <a:r>
+              <a:rPr lang="pt-BR" baseline="0" dirty="0" smtClean="0"/>
+              <a:t> é abranger o máximo e pessoas possível, tornar o conhecimento global. Portanto o software se aplica desde um aluno de faculdade que precisa de ajuda em </a:t>
+            </a:r>
+            <a:r>
+              <a:rPr lang="pt-BR" baseline="0" dirty="0" err="1" smtClean="0"/>
+              <a:t>Porgramção</a:t>
+            </a:r>
+            <a:r>
+              <a:rPr lang="pt-BR" baseline="0" dirty="0" smtClean="0"/>
+              <a:t> Linear, para uma criança que precisa de ajuda para começar a escrever ou ainda alguém que seja um entusiasta sobre algum assunto e gostaria de compartilhá-lo</a:t>
+            </a:r>
+            <a:endParaRPr lang="pt-BR" dirty="0"/>
+          </a:p>
+        </p:txBody>
+      </p:sp>
+      <p:sp>
+        <p:nvSpPr>
+          <p:cNvPr id="4" name="Espaço Reservado para Número de Slide 3"/>
+          <p:cNvSpPr>
+            <a:spLocks noGrp="1"/>
+          </p:cNvSpPr>
+          <p:nvPr>
+            <p:ph type="sldNum" sz="quarter" idx="10"/>
+          </p:nvPr>
+        </p:nvSpPr>
+        <p:spPr/>
+        <p:txBody>
+          <a:bodyPr/>
+          <a:lstStyle/>
+          <a:p>
+            <a:fld id="{F72459E9-D26B-4923-A349-7337E75C4127}" type="slidenum">
+              <a:rPr lang="pt-BR" smtClean="0"/>
+              <a:t>7</a:t>
+            </a:fld>
+            <a:endParaRPr lang="pt-BR"/>
+          </a:p>
+        </p:txBody>
+      </p:sp>
+    </p:spTree>
+  </p:cSld>
+  <p:clrMapOvr>
+    <a:masterClrMapping/>
+  </p:clrMapOvr>
+</p:notes>
+</file>
+
+<file path=ppt/notesSlides/notesSlide6.xml><?xml version="1.0" encoding="utf-8"?>
+<p:notes xmlns:a="http://schemas.openxmlformats.org/drawingml/2006/main" xmlns:r="http://schemas.openxmlformats.org/officeDocument/2006/relationships" xmlns:p="http://schemas.openxmlformats.org/presentationml/2006/main">
+  <p:cSld>
+    <p:spTree>
+      <p:nvGrpSpPr>
+        <p:cNvPr id="1" name=""/>
+        <p:cNvGrpSpPr/>
+        <p:nvPr/>
+      </p:nvGrpSpPr>
+      <p:grpSpPr>
+        <a:xfrm>
+          <a:off x="0" y="0"/>
+          <a:ext cx="0" cy="0"/>
+          <a:chOff x="0" y="0"/>
+          <a:chExt cx="0" cy="0"/>
+        </a:xfrm>
+      </p:grpSpPr>
+      <p:sp>
+        <p:nvSpPr>
+          <p:cNvPr id="2" name="Espaço Reservado para Imagem de Slide 1"/>
+          <p:cNvSpPr>
+            <a:spLocks noGrp="1" noRot="1" noChangeAspect="1"/>
+          </p:cNvSpPr>
+          <p:nvPr>
+            <p:ph type="sldImg"/>
+          </p:nvPr>
+        </p:nvSpPr>
+        <p:spPr/>
+      </p:sp>
+      <p:sp>
+        <p:nvSpPr>
+          <p:cNvPr id="3" name="Espaço Reservado para Anotações 2"/>
+          <p:cNvSpPr>
+            <a:spLocks noGrp="1"/>
+          </p:cNvSpPr>
+          <p:nvPr>
+            <p:ph type="body" idx="1"/>
+          </p:nvPr>
+        </p:nvSpPr>
+        <p:spPr/>
+        <p:txBody>
+          <a:bodyPr>
+            <a:normAutofit/>
+          </a:bodyPr>
+          <a:lstStyle/>
+          <a:p>
+            <a:pPr marL="0" marR="0" indent="0" algn="l" defTabSz="914400" rtl="0" eaLnBrk="1" fontAlgn="auto" latinLnBrk="0" hangingPunct="1">
+              <a:lnSpc>
+                <a:spcPct val="100000"/>
+              </a:lnSpc>
+              <a:spcBef>
+                <a:spcPts val="0"/>
+              </a:spcBef>
+              <a:spcAft>
+                <a:spcPts val="0"/>
+              </a:spcAft>
+              <a:buClrTx/>
+              <a:buSzTx/>
+              <a:buFontTx/>
+              <a:buNone/>
+              <a:tabLst/>
+              <a:defRPr/>
+            </a:pPr>
+            <a:r>
+              <a:rPr lang="pt-BR" dirty="0" smtClean="0"/>
+              <a:t>Lucro</a:t>
+            </a:r>
+          </a:p>
+          <a:p>
+            <a:pPr marL="0" marR="0" indent="0" algn="l" defTabSz="914400" rtl="0" eaLnBrk="1" fontAlgn="auto" latinLnBrk="0" hangingPunct="1">
+              <a:lnSpc>
+                <a:spcPct val="100000"/>
+              </a:lnSpc>
+              <a:spcBef>
+                <a:spcPts val="0"/>
+              </a:spcBef>
+              <a:spcAft>
+                <a:spcPts val="0"/>
+              </a:spcAft>
+              <a:buClrTx/>
+              <a:buSzTx/>
+              <a:buFontTx/>
+              <a:buNone/>
+              <a:tabLst/>
+              <a:defRPr/>
+            </a:pPr>
+            <a:r>
+              <a:rPr lang="pt-BR" dirty="0" smtClean="0"/>
+              <a:t>Chutando 500h de trabalho</a:t>
+            </a:r>
+            <a:r>
+              <a:rPr lang="pt-BR" baseline="0" dirty="0" smtClean="0"/>
+              <a:t> para o desenvolvimento ( 2 semanas de desenvolvimento para cada pessoa) e usando o valor de R$10 a hora de trabalho (valor extremamente baixo), temos o custo de desenvolvimento do software de R$5000</a:t>
+            </a:r>
+          </a:p>
+          <a:p>
+            <a:pPr marL="0" marR="0" indent="0" algn="l" defTabSz="914400" rtl="0" eaLnBrk="1" fontAlgn="auto" latinLnBrk="0" hangingPunct="1">
+              <a:lnSpc>
+                <a:spcPct val="100000"/>
+              </a:lnSpc>
+              <a:spcBef>
+                <a:spcPts val="0"/>
+              </a:spcBef>
+              <a:spcAft>
+                <a:spcPts val="0"/>
+              </a:spcAft>
+              <a:buClrTx/>
+              <a:buSzTx/>
+              <a:buFontTx/>
+              <a:buNone/>
+              <a:tabLst/>
+              <a:defRPr/>
+            </a:pPr>
+            <a:r>
+              <a:rPr lang="pt-BR" baseline="0" dirty="0" smtClean="0"/>
+              <a:t>O retorno é gerado através de propagandas no site, que esta atrelada ao numero de usuários no site, usando a premissa que o numero de usuários dobra a cada mês durante um ano e depois cresce a uma proporção de 5% por mês e que para cada 20 usuários por mês ganhamos 1 real e o site iniciando com 10 usuários, demoraria 15 meses (R$5606, 41) para conseguir o </a:t>
+            </a:r>
+            <a:r>
+              <a:rPr lang="pt-BR" baseline="0" dirty="0" err="1" smtClean="0"/>
+              <a:t>payback</a:t>
+            </a:r>
+            <a:endParaRPr lang="pt-BR" baseline="0" dirty="0" smtClean="0"/>
+          </a:p>
+        </p:txBody>
+      </p:sp>
+      <p:sp>
+        <p:nvSpPr>
+          <p:cNvPr id="4" name="Espaço Reservado para Número de Slide 3"/>
+          <p:cNvSpPr>
+            <a:spLocks noGrp="1"/>
+          </p:cNvSpPr>
+          <p:nvPr>
+            <p:ph type="sldNum" sz="quarter" idx="10"/>
+          </p:nvPr>
+        </p:nvSpPr>
+        <p:spPr/>
+        <p:txBody>
+          <a:bodyPr/>
+          <a:lstStyle/>
+          <a:p>
+            <a:fld id="{F72459E9-D26B-4923-A349-7337E75C4127}" type="slidenum">
+              <a:rPr lang="pt-BR" smtClean="0"/>
+              <a:t>8</a:t>
+            </a:fld>
+            <a:endParaRPr lang="pt-BR"/>
+          </a:p>
+        </p:txBody>
+      </p:sp>
+    </p:spTree>
+  </p:cSld>
+  <p:clrMapOvr>
+    <a:masterClrMapping/>
+  </p:clrMapOvr>
+</p:notes>
+</file>
+
+<file path=ppt/notesSlides/notesSlide7.xml><?xml version="1.0" encoding="utf-8"?>
+<p:notes xmlns:a="http://schemas.openxmlformats.org/drawingml/2006/main" xmlns:r="http://schemas.openxmlformats.org/officeDocument/2006/relationships" xmlns:p="http://schemas.openxmlformats.org/presentationml/2006/main">
+  <p:cSld>
+    <p:spTree>
+      <p:nvGrpSpPr>
+        <p:cNvPr id="1" name=""/>
+        <p:cNvGrpSpPr/>
+        <p:nvPr/>
+      </p:nvGrpSpPr>
+      <p:grpSpPr>
+        <a:xfrm>
+          <a:off x="0" y="0"/>
+          <a:ext cx="0" cy="0"/>
+          <a:chOff x="0" y="0"/>
+          <a:chExt cx="0" cy="0"/>
+        </a:xfrm>
+      </p:grpSpPr>
+      <p:sp>
+        <p:nvSpPr>
+          <p:cNvPr id="2" name="Espaço Reservado para Imagem de Slide 1"/>
+          <p:cNvSpPr>
+            <a:spLocks noGrp="1" noRot="1" noChangeAspect="1"/>
+          </p:cNvSpPr>
+          <p:nvPr>
+            <p:ph type="sldImg"/>
+          </p:nvPr>
+        </p:nvSpPr>
+        <p:spPr/>
+      </p:sp>
+      <p:sp>
+        <p:nvSpPr>
+          <p:cNvPr id="3" name="Espaço Reservado para Anotações 2"/>
+          <p:cNvSpPr>
+            <a:spLocks noGrp="1"/>
+          </p:cNvSpPr>
+          <p:nvPr>
+            <p:ph type="body" idx="1"/>
+          </p:nvPr>
+        </p:nvSpPr>
+        <p:spPr/>
+        <p:txBody>
+          <a:bodyPr>
+            <a:normAutofit/>
+          </a:bodyPr>
+          <a:lstStyle/>
+          <a:p>
+            <a:pPr marL="0" marR="0" indent="0" algn="l" defTabSz="914400" rtl="0" eaLnBrk="1" fontAlgn="auto" latinLnBrk="0" hangingPunct="1">
+              <a:lnSpc>
+                <a:spcPct val="100000"/>
+              </a:lnSpc>
+              <a:spcBef>
+                <a:spcPts val="0"/>
+              </a:spcBef>
+              <a:spcAft>
+                <a:spcPts val="0"/>
+              </a:spcAft>
+              <a:buClrTx/>
+              <a:buSzTx/>
+              <a:buFontTx/>
+              <a:buNone/>
+              <a:tabLst/>
+              <a:defRPr/>
+            </a:pPr>
+            <a:r>
+              <a:rPr lang="pt-BR" dirty="0" smtClean="0"/>
+              <a:t>O</a:t>
+            </a:r>
+            <a:r>
+              <a:rPr lang="pt-BR" baseline="0" dirty="0" smtClean="0"/>
+              <a:t> retorno não é tão expressivo, porém o que mais pode se destacar aqui é o valor agregado que se verifica nesse sistema</a:t>
+            </a:r>
+            <a:endParaRPr lang="pt-BR" dirty="0"/>
+          </a:p>
+        </p:txBody>
+      </p:sp>
+      <p:sp>
+        <p:nvSpPr>
+          <p:cNvPr id="4" name="Espaço Reservado para Número de Slide 3"/>
+          <p:cNvSpPr>
+            <a:spLocks noGrp="1"/>
+          </p:cNvSpPr>
+          <p:nvPr>
+            <p:ph type="sldNum" sz="quarter" idx="10"/>
+          </p:nvPr>
+        </p:nvSpPr>
+        <p:spPr/>
+        <p:txBody>
+          <a:bodyPr/>
+          <a:lstStyle/>
+          <a:p>
+            <a:fld id="{F72459E9-D26B-4923-A349-7337E75C4127}" type="slidenum">
+              <a:rPr lang="pt-BR" smtClean="0"/>
+              <a:t>9</a:t>
+            </a:fld>
+            <a:endParaRPr lang="pt-BR"/>
+          </a:p>
+        </p:txBody>
+      </p:sp>
+    </p:spTree>
+  </p:cSld>
+  <p:clrMapOvr>
+    <a:masterClrMapping/>
+  </p:clrMapOvr>
+</p:notes>
+</file>
+
+<file path=ppt/notesSlides/notesSlide8.xml><?xml version="1.0" encoding="utf-8"?>
+<p:notes xmlns:a="http://schemas.openxmlformats.org/drawingml/2006/main" xmlns:r="http://schemas.openxmlformats.org/officeDocument/2006/relationships" xmlns:p="http://schemas.openxmlformats.org/presentationml/2006/main">
+  <p:cSld>
+    <p:spTree>
+      <p:nvGrpSpPr>
+        <p:cNvPr id="1" name=""/>
+        <p:cNvGrpSpPr/>
+        <p:nvPr/>
+      </p:nvGrpSpPr>
+      <p:grpSpPr>
+        <a:xfrm>
+          <a:off x="0" y="0"/>
+          <a:ext cx="0" cy="0"/>
+          <a:chOff x="0" y="0"/>
+          <a:chExt cx="0" cy="0"/>
+        </a:xfrm>
+      </p:grpSpPr>
+      <p:sp>
+        <p:nvSpPr>
+          <p:cNvPr id="2" name="Espaço Reservado para Imagem de Slide 1"/>
+          <p:cNvSpPr>
+            <a:spLocks noGrp="1" noRot="1" noChangeAspect="1"/>
+          </p:cNvSpPr>
+          <p:nvPr>
+            <p:ph type="sldImg"/>
+          </p:nvPr>
+        </p:nvSpPr>
+        <p:spPr/>
+      </p:sp>
+      <p:sp>
+        <p:nvSpPr>
+          <p:cNvPr id="3" name="Espaço Reservado para Anotações 2"/>
+          <p:cNvSpPr>
+            <a:spLocks noGrp="1"/>
+          </p:cNvSpPr>
+          <p:nvPr>
+            <p:ph type="body" idx="1"/>
+          </p:nvPr>
+        </p:nvSpPr>
+        <p:spPr/>
+        <p:txBody>
+          <a:bodyPr>
+            <a:normAutofit/>
+          </a:bodyPr>
+          <a:lstStyle/>
+          <a:p>
+            <a:pPr marL="0" marR="0" indent="0" algn="l" defTabSz="914400" rtl="0" eaLnBrk="1" fontAlgn="auto" latinLnBrk="0" hangingPunct="1">
+              <a:lnSpc>
+                <a:spcPct val="100000"/>
+              </a:lnSpc>
+              <a:spcBef>
+                <a:spcPts val="0"/>
+              </a:spcBef>
+              <a:spcAft>
+                <a:spcPts val="0"/>
+              </a:spcAft>
+              <a:buClrTx/>
+              <a:buSzTx/>
+              <a:buFontTx/>
+              <a:buNone/>
+              <a:tabLst/>
+              <a:defRPr/>
+            </a:pPr>
+            <a:r>
+              <a:rPr lang="pt-BR" dirty="0" smtClean="0"/>
+              <a:t>O</a:t>
+            </a:r>
+            <a:r>
+              <a:rPr lang="pt-BR" baseline="0" dirty="0" smtClean="0"/>
+              <a:t> retorno não é tão expressivo, porém o que mais pode se destacar aqui é o valor agregado que se verifica nesse sistema</a:t>
+            </a:r>
+            <a:endParaRPr lang="pt-BR" dirty="0"/>
+          </a:p>
+        </p:txBody>
+      </p:sp>
+      <p:sp>
+        <p:nvSpPr>
+          <p:cNvPr id="4" name="Espaço Reservado para Número de Slide 3"/>
+          <p:cNvSpPr>
+            <a:spLocks noGrp="1"/>
+          </p:cNvSpPr>
+          <p:nvPr>
+            <p:ph type="sldNum" sz="quarter" idx="10"/>
+          </p:nvPr>
+        </p:nvSpPr>
+        <p:spPr/>
+        <p:txBody>
+          <a:bodyPr/>
+          <a:lstStyle/>
+          <a:p>
+            <a:fld id="{F72459E9-D26B-4923-A349-7337E75C4127}" type="slidenum">
+              <a:rPr lang="pt-BR" smtClean="0"/>
+              <a:t>10</a:t>
             </a:fld>
             <a:endParaRPr lang="pt-BR"/>
           </a:p>
@@ -4095,16 +5365,143 @@
             <p:ph type="ctrTitle"/>
           </p:nvPr>
         </p:nvSpPr>
-        <p:spPr/>
+        <p:spPr>
+          <a:xfrm>
+            <a:off x="685800" y="4000504"/>
+            <a:ext cx="8458200" cy="1222375"/>
+          </a:xfrm>
+        </p:spPr>
         <p:txBody>
           <a:bodyPr/>
           <a:lstStyle/>
           <a:p>
             <a:r>
-              <a:rPr lang="pt-BR" dirty="0" smtClean="0"/>
-              <a:t>Nome do projeto</a:t>
-            </a:r>
-            <a:endParaRPr lang="pt-BR" dirty="0"/>
+              <a:rPr lang="pt-BR" sz="4800" dirty="0" smtClean="0"/>
+              <a:t>leme</a:t>
+            </a:r>
+            <a:endParaRPr lang="pt-BR" sz="4800" dirty="0"/>
+          </a:p>
+        </p:txBody>
+      </p:sp>
+      <p:sp>
+        <p:nvSpPr>
+          <p:cNvPr id="4" name="CaixaDeTexto 3"/>
+          <p:cNvSpPr txBox="1"/>
+          <p:nvPr/>
+        </p:nvSpPr>
+        <p:spPr>
+          <a:xfrm>
+            <a:off x="642910" y="4763168"/>
+            <a:ext cx="5505033" cy="523220"/>
+          </a:xfrm>
+          <a:prstGeom prst="rect">
+            <a:avLst/>
+          </a:prstGeom>
+          <a:noFill/>
+        </p:spPr>
+        <p:txBody>
+          <a:bodyPr wrap="none" rtlCol="0">
+            <a:spAutoFit/>
+          </a:bodyPr>
+          <a:lstStyle/>
+          <a:p>
+            <a:r>
+              <a:rPr lang="pt-BR" sz="2800" dirty="0" err="1" smtClean="0">
+                <a:solidFill>
+                  <a:schemeClr val="bg2">
+                    <a:lumMod val="25000"/>
+                  </a:schemeClr>
+                </a:solidFill>
+              </a:rPr>
+              <a:t>Learning</a:t>
+            </a:r>
+            <a:r>
+              <a:rPr lang="pt-BR" sz="2800" dirty="0" smtClean="0">
+                <a:solidFill>
+                  <a:schemeClr val="bg2">
+                    <a:lumMod val="25000"/>
+                  </a:schemeClr>
+                </a:solidFill>
+              </a:rPr>
+              <a:t> </a:t>
+            </a:r>
+            <a:r>
+              <a:rPr lang="pt-BR" sz="2800" dirty="0" err="1" smtClean="0">
+                <a:solidFill>
+                  <a:schemeClr val="bg2">
+                    <a:lumMod val="25000"/>
+                  </a:schemeClr>
+                </a:solidFill>
+              </a:rPr>
+              <a:t>and</a:t>
+            </a:r>
+            <a:r>
+              <a:rPr lang="pt-BR" sz="2800" dirty="0" smtClean="0">
+                <a:solidFill>
+                  <a:schemeClr val="bg2">
+                    <a:lumMod val="25000"/>
+                  </a:schemeClr>
+                </a:solidFill>
+              </a:rPr>
+              <a:t> </a:t>
+            </a:r>
+            <a:r>
+              <a:rPr lang="pt-BR" sz="2800" dirty="0" err="1" smtClean="0">
+                <a:solidFill>
+                  <a:schemeClr val="bg2">
+                    <a:lumMod val="25000"/>
+                  </a:schemeClr>
+                </a:solidFill>
+              </a:rPr>
+              <a:t>Educating</a:t>
+            </a:r>
+            <a:r>
+              <a:rPr lang="pt-BR" sz="2800" dirty="0" smtClean="0">
+                <a:solidFill>
+                  <a:schemeClr val="bg2">
+                    <a:lumMod val="25000"/>
+                  </a:schemeClr>
+                </a:solidFill>
+              </a:rPr>
+              <a:t> </a:t>
+            </a:r>
+            <a:r>
+              <a:rPr lang="pt-BR" sz="2800" dirty="0" err="1" smtClean="0">
+                <a:solidFill>
+                  <a:schemeClr val="bg2">
+                    <a:lumMod val="25000"/>
+                  </a:schemeClr>
+                </a:solidFill>
+              </a:rPr>
+              <a:t>Made</a:t>
+            </a:r>
+            <a:r>
+              <a:rPr lang="pt-BR" sz="2800" dirty="0" smtClean="0">
+                <a:solidFill>
+                  <a:schemeClr val="bg2">
+                    <a:lumMod val="25000"/>
+                  </a:schemeClr>
+                </a:solidFill>
+              </a:rPr>
+              <a:t> </a:t>
+            </a:r>
+            <a:r>
+              <a:rPr lang="pt-BR" sz="2800" dirty="0" err="1" smtClean="0">
+                <a:solidFill>
+                  <a:schemeClr val="bg2">
+                    <a:lumMod val="25000"/>
+                  </a:schemeClr>
+                </a:solidFill>
+              </a:rPr>
+              <a:t>Easy</a:t>
+            </a:r>
+            <a:endParaRPr lang="pt-BR" sz="2800" dirty="0">
+              <a:solidFill>
+                <a:schemeClr val="bg2">
+                  <a:lumMod val="25000"/>
+                </a:schemeClr>
+              </a:solidFill>
+            </a:endParaRPr>
           </a:p>
         </p:txBody>
       </p:sp>
@@ -4113,6 +5510,318 @@
   <p:clrMapOvr>
     <a:masterClrMapping/>
   </p:clrMapOvr>
+  <p:timing>
+    <p:tnLst>
+      <p:par>
+        <p:cTn id="1" dur="indefinite" restart="never" nodeType="tmRoot"/>
+      </p:par>
+    </p:tnLst>
+  </p:timing>
+</p:sld>
+</file>
+
+<file path=ppt/slides/slide10.xml><?xml version="1.0" encoding="utf-8"?>
+<p:sld xmlns:a="http://schemas.openxmlformats.org/drawingml/2006/main" xmlns:r="http://schemas.openxmlformats.org/officeDocument/2006/relationships" xmlns:p="http://schemas.openxmlformats.org/presentationml/2006/main">
+  <p:cSld>
+    <p:spTree>
+      <p:nvGrpSpPr>
+        <p:cNvPr id="1" name=""/>
+        <p:cNvGrpSpPr/>
+        <p:nvPr/>
+      </p:nvGrpSpPr>
+      <p:grpSpPr>
+        <a:xfrm>
+          <a:off x="0" y="0"/>
+          <a:ext cx="0" cy="0"/>
+          <a:chOff x="0" y="0"/>
+          <a:chExt cx="0" cy="0"/>
+        </a:xfrm>
+      </p:grpSpPr>
+      <p:sp>
+        <p:nvSpPr>
+          <p:cNvPr id="2" name="Título 1"/>
+          <p:cNvSpPr>
+            <a:spLocks noGrp="1"/>
+          </p:cNvSpPr>
+          <p:nvPr>
+            <p:ph type="ctrTitle"/>
+          </p:nvPr>
+        </p:nvSpPr>
+        <p:spPr>
+          <a:xfrm>
+            <a:off x="357158" y="428604"/>
+            <a:ext cx="8458200" cy="1222375"/>
+          </a:xfrm>
+        </p:spPr>
+        <p:txBody>
+          <a:bodyPr/>
+          <a:lstStyle/>
+          <a:p>
+            <a:r>
+              <a:rPr lang="pt-BR" dirty="0" smtClean="0">
+                <a:solidFill>
+                  <a:schemeClr val="accent1">
+                    <a:lumMod val="50000"/>
+                  </a:schemeClr>
+                </a:solidFill>
+              </a:rPr>
+              <a:t>Obrigado</a:t>
+            </a:r>
+            <a:endParaRPr lang="pt-BR" dirty="0" smtClean="0">
+              <a:solidFill>
+                <a:schemeClr val="accent1">
+                  <a:lumMod val="50000"/>
+                </a:schemeClr>
+              </a:solidFill>
+            </a:endParaRPr>
+          </a:p>
+        </p:txBody>
+      </p:sp>
+      <p:sp>
+        <p:nvSpPr>
+          <p:cNvPr id="4" name="CaixaDeTexto 3"/>
+          <p:cNvSpPr txBox="1"/>
+          <p:nvPr/>
+        </p:nvSpPr>
+        <p:spPr>
+          <a:xfrm>
+            <a:off x="357158" y="1357298"/>
+            <a:ext cx="8572560" cy="1200329"/>
+          </a:xfrm>
+          <a:prstGeom prst="rect">
+            <a:avLst/>
+          </a:prstGeom>
+          <a:noFill/>
+        </p:spPr>
+        <p:txBody>
+          <a:bodyPr wrap="square" rtlCol="0">
+            <a:spAutoFit/>
+          </a:bodyPr>
+          <a:lstStyle/>
+          <a:p>
+            <a:pPr>
+              <a:buFont typeface="Arial" pitchFamily="34" charset="0"/>
+              <a:buChar char="•"/>
+            </a:pPr>
+            <a:r>
+              <a:rPr lang="pt-BR" dirty="0" smtClean="0">
+                <a:solidFill>
+                  <a:schemeClr val="accent1">
+                    <a:lumMod val="50000"/>
+                  </a:schemeClr>
+                </a:solidFill>
+              </a:rPr>
+              <a:t> Bruno </a:t>
+            </a:r>
+            <a:r>
+              <a:rPr lang="pt-BR" dirty="0" err="1" smtClean="0">
+                <a:solidFill>
+                  <a:schemeClr val="accent1">
+                    <a:lumMod val="50000"/>
+                  </a:schemeClr>
+                </a:solidFill>
+              </a:rPr>
+              <a:t>Endo</a:t>
+            </a:r>
+            <a:endParaRPr lang="pt-BR" dirty="0" smtClean="0">
+              <a:solidFill>
+                <a:schemeClr val="accent1">
+                  <a:lumMod val="50000"/>
+                </a:schemeClr>
+              </a:solidFill>
+            </a:endParaRPr>
+          </a:p>
+          <a:p>
+            <a:pPr>
+              <a:buFont typeface="Arial" pitchFamily="34" charset="0"/>
+              <a:buChar char="•"/>
+            </a:pPr>
+            <a:r>
+              <a:rPr lang="pt-BR" dirty="0">
+                <a:solidFill>
+                  <a:schemeClr val="accent1">
+                    <a:lumMod val="50000"/>
+                  </a:schemeClr>
+                </a:solidFill>
+              </a:rPr>
+              <a:t> </a:t>
+            </a:r>
+            <a:r>
+              <a:rPr lang="pt-BR" dirty="0" smtClean="0">
+                <a:solidFill>
+                  <a:schemeClr val="accent1">
+                    <a:lumMod val="50000"/>
+                  </a:schemeClr>
+                </a:solidFill>
+              </a:rPr>
+              <a:t>Danilo Aleixo</a:t>
+            </a:r>
+          </a:p>
+          <a:p>
+            <a:pPr>
+              <a:buFont typeface="Arial" pitchFamily="34" charset="0"/>
+              <a:buChar char="•"/>
+            </a:pPr>
+            <a:r>
+              <a:rPr lang="pt-BR" dirty="0">
+                <a:solidFill>
+                  <a:schemeClr val="accent1">
+                    <a:lumMod val="50000"/>
+                  </a:schemeClr>
+                </a:solidFill>
+              </a:rPr>
+              <a:t> </a:t>
+            </a:r>
+            <a:r>
+              <a:rPr lang="pt-BR" dirty="0" smtClean="0">
+                <a:solidFill>
+                  <a:schemeClr val="accent1">
+                    <a:lumMod val="50000"/>
+                  </a:schemeClr>
+                </a:solidFill>
+              </a:rPr>
+              <a:t>Gustavo </a:t>
+            </a:r>
+            <a:r>
+              <a:rPr lang="pt-BR" dirty="0" err="1" smtClean="0">
+                <a:solidFill>
+                  <a:schemeClr val="accent1">
+                    <a:lumMod val="50000"/>
+                  </a:schemeClr>
+                </a:solidFill>
+              </a:rPr>
+              <a:t>Caparica</a:t>
+            </a:r>
+            <a:endParaRPr lang="pt-BR" dirty="0" smtClean="0">
+              <a:solidFill>
+                <a:schemeClr val="accent1">
+                  <a:lumMod val="50000"/>
+                </a:schemeClr>
+              </a:solidFill>
+            </a:endParaRPr>
+          </a:p>
+          <a:p>
+            <a:pPr>
+              <a:buFont typeface="Arial" pitchFamily="34" charset="0"/>
+              <a:buChar char="•"/>
+            </a:pPr>
+            <a:r>
+              <a:rPr lang="pt-BR" dirty="0">
+                <a:solidFill>
+                  <a:schemeClr val="accent1">
+                    <a:lumMod val="50000"/>
+                  </a:schemeClr>
+                </a:solidFill>
+              </a:rPr>
+              <a:t> </a:t>
+            </a:r>
+            <a:r>
+              <a:rPr lang="pt-BR" dirty="0" smtClean="0">
+                <a:solidFill>
+                  <a:schemeClr val="accent1">
+                    <a:lumMod val="50000"/>
+                  </a:schemeClr>
+                </a:solidFill>
+              </a:rPr>
+              <a:t>José Rodrigues</a:t>
+            </a:r>
+          </a:p>
+        </p:txBody>
+      </p:sp>
+    </p:spTree>
+  </p:cSld>
+  <p:clrMapOvr>
+    <a:masterClrMapping/>
+  </p:clrMapOvr>
+  <p:timing>
+    <p:tnLst>
+      <p:par>
+        <p:cTn id="1" dur="indefinite" restart="never" nodeType="tmRoot">
+          <p:childTnLst>
+            <p:seq concurrent="1" nextAc="seek">
+              <p:cTn id="2" dur="indefinite" nodeType="mainSeq">
+                <p:childTnLst>
+                  <p:par>
+                    <p:cTn id="3" fill="hold">
+                      <p:stCondLst>
+                        <p:cond delay="indefinite"/>
+                        <p:cond evt="onBegin" delay="0">
+                          <p:tn val="2"/>
+                        </p:cond>
+                      </p:stCondLst>
+                      <p:childTnLst>
+                        <p:par>
+                          <p:cTn id="4" fill="hold">
+                            <p:stCondLst>
+                              <p:cond delay="0"/>
+                            </p:stCondLst>
+                            <p:childTnLst>
+                              <p:par>
+                                <p:cTn id="5" presetID="4" presetClass="entr" presetSubtype="16" fill="hold" grpId="0" nodeType="withEffect">
+                                  <p:stCondLst>
+                                    <p:cond delay="0"/>
+                                  </p:stCondLst>
+                                  <p:childTnLst>
+                                    <p:set>
+                                      <p:cBhvr>
+                                        <p:cTn id="6" dur="1" fill="hold">
+                                          <p:stCondLst>
+                                            <p:cond delay="0"/>
+                                          </p:stCondLst>
+                                        </p:cTn>
+                                        <p:tgtEl>
+                                          <p:spTgt spid="4"/>
+                                        </p:tgtEl>
+                                        <p:attrNameLst>
+                                          <p:attrName>style.visibility</p:attrName>
+                                        </p:attrNameLst>
+                                      </p:cBhvr>
+                                      <p:to>
+                                        <p:strVal val="visible"/>
+                                      </p:to>
+                                    </p:set>
+                                    <p:animEffect transition="in" filter="box(in)">
+                                      <p:cBhvr>
+                                        <p:cTn id="7" dur="500"/>
+                                        <p:tgtEl>
+                                          <p:spTgt spid="4"/>
+                                        </p:tgtEl>
+                                      </p:cBhvr>
+                                    </p:animEffect>
+                                  </p:childTnLst>
+                                </p:cTn>
+                              </p:par>
+                            </p:childTnLst>
+                          </p:cTn>
+                        </p:par>
+                      </p:childTnLst>
+                    </p:cTn>
+                  </p:par>
+                </p:childTnLst>
+              </p:cTn>
+              <p:prevCondLst>
+                <p:cond evt="onPrev" delay="0">
+                  <p:tgtEl>
+                    <p:sldTgt/>
+                  </p:tgtEl>
+                </p:cond>
+              </p:prevCondLst>
+              <p:nextCondLst>
+                <p:cond evt="onNext" delay="0">
+                  <p:tgtEl>
+                    <p:sldTgt/>
+                  </p:tgtEl>
+                </p:cond>
+              </p:nextCondLst>
+            </p:seq>
+          </p:childTnLst>
+        </p:cTn>
+      </p:par>
+    </p:tnLst>
+    <p:bldLst>
+      <p:bldP spid="4" grpId="0"/>
+    </p:bldLst>
+  </p:timing>
 </p:sld>
 </file>
 
@@ -4162,6 +5871,13 @@
     <a:masterClrMapping/>
   </p:clrMapOvr>
   <p:transition/>
+  <p:timing>
+    <p:tnLst>
+      <p:par>
+        <p:cTn id="1" dur="indefinite" restart="never" nodeType="tmRoot"/>
+      </p:par>
+    </p:tnLst>
+  </p:timing>
 </p:sld>
 </file>
 
@@ -4240,6 +5956,13 @@
     <a:masterClrMapping/>
   </p:clrMapOvr>
   <p:transition/>
+  <p:timing>
+    <p:tnLst>
+      <p:par>
+        <p:cTn id="1" dur="indefinite" restart="never" nodeType="tmRoot"/>
+      </p:par>
+    </p:tnLst>
+  </p:timing>
 </p:sld>
 </file>
 
@@ -4340,7 +6063,13 @@
               <a:buChar char="•"/>
             </a:pPr>
             <a:r>
-              <a:rPr lang="pt-BR" dirty="0" smtClean="0"/>
+              <a:rPr lang="pt-BR" dirty="0" smtClean="0">
+                <a:solidFill>
+                  <a:schemeClr val="accent1">
+                    <a:lumMod val="50000"/>
+                  </a:schemeClr>
+                </a:solidFill>
+              </a:rPr>
               <a:t> Sociedade Atual e a Poluição de Informação</a:t>
             </a:r>
           </a:p>
@@ -4373,12 +6102,24 @@
               <a:buChar char="•"/>
             </a:pPr>
             <a:r>
-              <a:rPr lang="pt-BR" dirty="0" smtClean="0"/>
+              <a:rPr lang="pt-BR" dirty="0" smtClean="0">
+                <a:solidFill>
+                  <a:schemeClr val="accent1">
+                    <a:lumMod val="50000"/>
+                  </a:schemeClr>
+                </a:solidFill>
+              </a:rPr>
               <a:t> Otimizando a Aprendizagem</a:t>
             </a:r>
           </a:p>
           <a:p>
-            <a:endParaRPr lang="pt-BR" dirty="0"/>
+            <a:endParaRPr lang="pt-BR" dirty="0">
+              <a:solidFill>
+                <a:schemeClr val="accent1">
+                  <a:lumMod val="50000"/>
+                </a:schemeClr>
+              </a:solidFill>
+            </a:endParaRPr>
           </a:p>
         </p:txBody>
       </p:sp>
@@ -4685,7 +6426,7 @@
         </p:blipFill>
         <p:spPr>
           <a:xfrm>
-            <a:off x="3143240" y="3714752"/>
+            <a:off x="285720" y="3643314"/>
             <a:ext cx="5348646" cy="2857496"/>
           </a:xfrm>
           <a:prstGeom prst="rect">
@@ -4709,7 +6450,7 @@
         </p:blipFill>
         <p:spPr>
           <a:xfrm>
-            <a:off x="500034" y="1214422"/>
+            <a:off x="4214810" y="1071546"/>
             <a:ext cx="4216960" cy="2143140"/>
           </a:xfrm>
           <a:prstGeom prst="rect">
@@ -4719,14 +6460,108 @@
       </p:pic>
       <p:sp>
         <p:nvSpPr>
-          <p:cNvPr id="7" name="Seta dobrada para cima 6"/>
+          <p:cNvPr id="8" name="CaixaDeTexto 7"/>
+          <p:cNvSpPr txBox="1"/>
+          <p:nvPr/>
+        </p:nvSpPr>
+        <p:spPr>
+          <a:xfrm>
+            <a:off x="5786446" y="3929066"/>
+            <a:ext cx="3071802" cy="2246769"/>
+          </a:xfrm>
+          <a:prstGeom prst="rect">
+            <a:avLst/>
+          </a:prstGeom>
+          <a:noFill/>
+        </p:spPr>
+        <p:txBody>
+          <a:bodyPr wrap="square" rtlCol="0">
+            <a:spAutoFit/>
+          </a:bodyPr>
+          <a:lstStyle/>
+          <a:p>
+            <a:r>
+              <a:rPr lang="pt-BR" sz="2000" b="1" dirty="0" smtClean="0">
+                <a:solidFill>
+                  <a:schemeClr val="bg2">
+                    <a:lumMod val="25000"/>
+                  </a:schemeClr>
+                </a:solidFill>
+              </a:rPr>
+              <a:t>OBJETIVO:</a:t>
+            </a:r>
+          </a:p>
+          <a:p>
+            <a:r>
+              <a:rPr lang="pt-BR" sz="2000" dirty="0" smtClean="0">
+                <a:solidFill>
+                  <a:schemeClr val="bg2">
+                    <a:lumMod val="25000"/>
+                  </a:schemeClr>
+                </a:solidFill>
+              </a:rPr>
+              <a:t>Acabar </a:t>
+            </a:r>
+            <a:r>
+              <a:rPr lang="pt-BR" sz="2000" dirty="0">
+                <a:solidFill>
+                  <a:schemeClr val="bg2">
+                    <a:lumMod val="25000"/>
+                  </a:schemeClr>
+                </a:solidFill>
+              </a:rPr>
+              <a:t>com as barreiras para o conhecimento </a:t>
+            </a:r>
+            <a:r>
+              <a:rPr lang="pt-BR" sz="2000" b="1" dirty="0">
+                <a:solidFill>
+                  <a:schemeClr val="bg2">
+                    <a:lumMod val="25000"/>
+                  </a:schemeClr>
+                </a:solidFill>
+              </a:rPr>
+              <a:t>tornando possível qualquer pessoa aprender ou ensinar</a:t>
+            </a:r>
+            <a:r>
+              <a:rPr lang="pt-BR" sz="2000" dirty="0">
+                <a:solidFill>
+                  <a:schemeClr val="bg2">
+                    <a:lumMod val="25000"/>
+                  </a:schemeClr>
+                </a:solidFill>
+              </a:rPr>
+              <a:t> através de uma plataforma de </a:t>
+            </a:r>
+            <a:r>
+              <a:rPr lang="pt-BR" sz="2000" dirty="0" smtClean="0">
+                <a:solidFill>
+                  <a:schemeClr val="bg2">
+                    <a:lumMod val="25000"/>
+                  </a:schemeClr>
+                </a:solidFill>
+              </a:rPr>
+              <a:t>estudos</a:t>
+            </a:r>
+            <a:endParaRPr lang="pt-BR" sz="2000" dirty="0">
+              <a:solidFill>
+                <a:schemeClr val="bg2">
+                  <a:lumMod val="25000"/>
+                </a:schemeClr>
+              </a:solidFill>
+            </a:endParaRPr>
+          </a:p>
+        </p:txBody>
+      </p:sp>
+      <p:sp>
+        <p:nvSpPr>
+          <p:cNvPr id="9" name="Seta dobrada para cima 8"/>
           <p:cNvSpPr/>
           <p:nvPr/>
         </p:nvSpPr>
         <p:spPr>
-          <a:xfrm rot="5400000">
-            <a:off x="1214414" y="3929066"/>
-            <a:ext cx="964413" cy="1535917"/>
+          <a:xfrm rot="10800000">
+            <a:off x="1285852" y="1785926"/>
+            <a:ext cx="2143140" cy="857256"/>
           </a:xfrm>
           <a:prstGeom prst="bentUpArrow">
             <a:avLst/>
@@ -4849,7 +6684,7 @@
                                           </p:stCondLst>
                                         </p:cTn>
                                         <p:tgtEl>
-                                          <p:spTgt spid="7"/>
+                                          <p:spTgt spid="9"/>
                                         </p:tgtEl>
                                         <p:attrNameLst>
                                           <p:attrName>style.visibility</p:attrName>
@@ -4863,7 +6698,7 @@
                                       <p:cBhvr>
                                         <p:cTn id="12" dur="500"/>
                                         <p:tgtEl>
-                                          <p:spTgt spid="7"/>
+                                          <p:spTgt spid="9"/>
                                         </p:tgtEl>
                                       </p:cBhvr>
                                     </p:animEffect>
@@ -4929,6 +6764,59 @@
                       </p:childTnLst>
                     </p:cTn>
                   </p:par>
+                  <p:par>
+                    <p:cTn id="18" fill="hold">
+                      <p:stCondLst>
+                        <p:cond delay="indefinite"/>
+                      </p:stCondLst>
+                      <p:childTnLst>
+                        <p:par>
+                          <p:cTn id="19" fill="hold">
+                            <p:stCondLst>
+                              <p:cond delay="0"/>
+                            </p:stCondLst>
+                            <p:childTnLst>
+                              <p:par>
+                                <p:cTn id="20" presetID="4" presetClass="entr" presetSubtype="16" fill="hold" grpId="0" nodeType="clickEffect">
+                                  <p:stCondLst>
+                                    <p:cond delay="0"/>
+                                  </p:stCondLst>
+                                  <p:childTnLst>
+                                    <p:set>
+                                      <p:cBhvr>
+                                        <p:cTn id="21" dur="1" fill="hold">
+                                          <p:stCondLst>
+                                            <p:cond delay="0"/>
+                                          </p:stCondLst>
+                                        </p:cTn>
+                                        <p:tgtEl>
+                                          <p:spTgt spid="8"/>
+                                        </p:tgtEl>
+                                        <p:attrNameLst>
+                                          <p:attrName>style.visibility</p:attrName>
+                                        </p:attrNameLst>
+                                      </p:cBhvr>
+                                      <p:to>
+                                        <p:strVal val="visible"/>
+                                      </p:to>
+                                    </p:set>
+                                    <p:animEffect transition="in" filter="box(in)">
+                                      <p:cBhvr>
+                                        <p:cTn id="22" dur="500"/>
+                                        <p:tgtEl>
+                                          <p:spTgt spid="8"/>
+                                        </p:tgtEl>
+                                      </p:cBhvr>
+                                    </p:animEffect>
+                                  </p:childTnLst>
+                                </p:cTn>
+                              </p:par>
+                            </p:childTnLst>
+                          </p:cTn>
+                        </p:par>
+                      </p:childTnLst>
+                    </p:cTn>
+                  </p:par>
                 </p:childTnLst>
               </p:cTn>
               <p:prevCondLst>
@@ -4951,7 +6839,1665 @@
       </p:par>
     </p:tnLst>
     <p:bldLst>
-      <p:bldP spid="7" grpId="0" animBg="1"/>
+      <p:bldP spid="8" grpId="0"/>
+      <p:bldP spid="9" grpId="0" animBg="1"/>
+    </p:bldLst>
+  </p:timing>
+</p:sld>
+</file>
+
+<file path=ppt/slides/slide6.xml><?xml version="1.0" encoding="utf-8"?>
+<p:sld xmlns:a="http://schemas.openxmlformats.org/drawingml/2006/main" xmlns:r="http://schemas.openxmlformats.org/officeDocument/2006/relationships" xmlns:p="http://schemas.openxmlformats.org/presentationml/2006/main">
+  <p:cSld>
+    <p:spTree>
+      <p:nvGrpSpPr>
+        <p:cNvPr id="1" name=""/>
+        <p:cNvGrpSpPr/>
+        <p:nvPr/>
+      </p:nvGrpSpPr>
+      <p:grpSpPr>
+        <a:xfrm>
+          <a:off x="0" y="0"/>
+          <a:ext cx="0" cy="0"/>
+          <a:chOff x="0" y="0"/>
+          <a:chExt cx="0" cy="0"/>
+        </a:xfrm>
+      </p:grpSpPr>
+      <p:sp>
+        <p:nvSpPr>
+          <p:cNvPr id="2" name="Título 1"/>
+          <p:cNvSpPr>
+            <a:spLocks noGrp="1"/>
+          </p:cNvSpPr>
+          <p:nvPr>
+            <p:ph type="ctrTitle"/>
+          </p:nvPr>
+        </p:nvSpPr>
+        <p:spPr>
+          <a:xfrm>
+            <a:off x="357158" y="428604"/>
+            <a:ext cx="8458200" cy="1222375"/>
+          </a:xfrm>
+        </p:spPr>
+        <p:txBody>
+          <a:bodyPr/>
+          <a:lstStyle/>
+          <a:p>
+            <a:r>
+              <a:rPr lang="pt-BR" dirty="0" smtClean="0">
+                <a:solidFill>
+                  <a:schemeClr val="accent1">
+                    <a:lumMod val="50000"/>
+                  </a:schemeClr>
+                </a:solidFill>
+              </a:rPr>
+              <a:t> Como funciona</a:t>
+            </a:r>
+          </a:p>
+        </p:txBody>
+      </p:sp>
+      <p:pic>
+        <p:nvPicPr>
+          <p:cNvPr id="1026" name="Picture 2" descr="C:\Users\Familia\Downloads\teacher43.png"/>
+          <p:cNvPicPr>
+            <a:picLocks noChangeAspect="1" noChangeArrowheads="1"/>
+          </p:cNvPicPr>
+          <p:nvPr/>
+        </p:nvPicPr>
+        <p:blipFill>
+          <a:blip r:embed="rId3">
+            <a:duotone>
+              <a:schemeClr val="accent6">
+                <a:shade val="45000"/>
+                <a:satMod val="135000"/>
+              </a:schemeClr>
+              <a:prstClr val="white"/>
+            </a:duotone>
+          </a:blip>
+          <a:srcRect/>
+          <a:stretch>
+            <a:fillRect/>
+          </a:stretch>
+        </p:blipFill>
+        <p:spPr bwMode="auto">
+          <a:xfrm>
+            <a:off x="1500166" y="2571744"/>
+            <a:ext cx="2286016" cy="2286016"/>
+          </a:xfrm>
+          <a:prstGeom prst="rect">
+            <a:avLst/>
+          </a:prstGeom>
+          <a:noFill/>
+        </p:spPr>
+      </p:pic>
+      <p:pic>
+        <p:nvPicPr>
+          <p:cNvPr id="1027" name="Picture 3" descr="C:\Users\Familia\Downloads\rank2.png"/>
+          <p:cNvPicPr>
+            <a:picLocks noChangeAspect="1" noChangeArrowheads="1"/>
+          </p:cNvPicPr>
+          <p:nvPr/>
+        </p:nvPicPr>
+        <p:blipFill>
+          <a:blip r:embed="rId4">
+            <a:duotone>
+              <a:schemeClr val="accent6">
+                <a:shade val="45000"/>
+                <a:satMod val="135000"/>
+              </a:schemeClr>
+              <a:prstClr val="white"/>
+            </a:duotone>
+          </a:blip>
+          <a:srcRect/>
+          <a:stretch>
+            <a:fillRect/>
+          </a:stretch>
+        </p:blipFill>
+        <p:spPr bwMode="auto">
+          <a:xfrm>
+            <a:off x="5214942" y="2285992"/>
+            <a:ext cx="2466988" cy="2466988"/>
+          </a:xfrm>
+          <a:prstGeom prst="rect">
+            <a:avLst/>
+          </a:prstGeom>
+          <a:noFill/>
+        </p:spPr>
+      </p:pic>
+    </p:spTree>
+  </p:cSld>
+  <p:clrMapOvr>
+    <a:masterClrMapping/>
+  </p:clrMapOvr>
+  <p:timing>
+    <p:tnLst>
+      <p:par>
+        <p:cTn id="1" dur="indefinite" restart="never" nodeType="tmRoot">
+          <p:childTnLst>
+            <p:seq concurrent="1" nextAc="seek">
+              <p:cTn id="2" dur="indefinite" nodeType="mainSeq">
+                <p:childTnLst>
+                  <p:par>
+                    <p:cTn id="3" fill="hold">
+                      <p:stCondLst>
+                        <p:cond delay="indefinite"/>
+                      </p:stCondLst>
+                      <p:childTnLst>
+                        <p:par>
+                          <p:cTn id="4" fill="hold">
+                            <p:stCondLst>
+                              <p:cond delay="0"/>
+                            </p:stCondLst>
+                            <p:childTnLst>
+                              <p:par>
+                                <p:cTn id="5" presetID="4" presetClass="entr" presetSubtype="16" fill="hold" nodeType="clickEffect">
+                                  <p:stCondLst>
+                                    <p:cond delay="0"/>
+                                  </p:stCondLst>
+                                  <p:childTnLst>
+                                    <p:set>
+                                      <p:cBhvr>
+                                        <p:cTn id="6" dur="1" fill="hold">
+                                          <p:stCondLst>
+                                            <p:cond delay="0"/>
+                                          </p:stCondLst>
+                                        </p:cTn>
+                                        <p:tgtEl>
+                                          <p:spTgt spid="1026"/>
+                                        </p:tgtEl>
+                                        <p:attrNameLst>
+                                          <p:attrName>style.visibility</p:attrName>
+                                        </p:attrNameLst>
+                                      </p:cBhvr>
+                                      <p:to>
+                                        <p:strVal val="visible"/>
+                                      </p:to>
+                                    </p:set>
+                                    <p:animEffect transition="in" filter="box(in)">
+                                      <p:cBhvr>
+                                        <p:cTn id="7" dur="500"/>
+                                        <p:tgtEl>
+                                          <p:spTgt spid="1026"/>
+                                        </p:tgtEl>
+                                      </p:cBhvr>
+                                    </p:animEffect>
+                                  </p:childTnLst>
+                                </p:cTn>
+                              </p:par>
+                            </p:childTnLst>
+                          </p:cTn>
+                        </p:par>
+                      </p:childTnLst>
+                    </p:cTn>
+                  </p:par>
+                  <p:par>
+                    <p:cTn id="8" fill="hold">
+                      <p:stCondLst>
+                        <p:cond delay="indefinite"/>
+                      </p:stCondLst>
+                      <p:childTnLst>
+                        <p:par>
+                          <p:cTn id="9" fill="hold">
+                            <p:stCondLst>
+                              <p:cond delay="0"/>
+                            </p:stCondLst>
+                            <p:childTnLst>
+                              <p:par>
+                                <p:cTn id="10" presetID="4" presetClass="entr" presetSubtype="16" fill="hold" nodeType="clickEffect">
+                                  <p:stCondLst>
+                                    <p:cond delay="0"/>
+                                  </p:stCondLst>
+                                  <p:childTnLst>
+                                    <p:set>
+                                      <p:cBhvr>
+                                        <p:cTn id="11" dur="1" fill="hold">
+                                          <p:stCondLst>
+                                            <p:cond delay="0"/>
+                                          </p:stCondLst>
+                                        </p:cTn>
+                                        <p:tgtEl>
+                                          <p:spTgt spid="1027"/>
+                                        </p:tgtEl>
+                                        <p:attrNameLst>
+                                          <p:attrName>style.visibility</p:attrName>
+                                        </p:attrNameLst>
+                                      </p:cBhvr>
+                                      <p:to>
+                                        <p:strVal val="visible"/>
+                                      </p:to>
+                                    </p:set>
+                                    <p:animEffect transition="in" filter="box(in)">
+                                      <p:cBhvr>
+                                        <p:cTn id="12" dur="500"/>
+                                        <p:tgtEl>
+                                          <p:spTgt spid="1027"/>
+                                        </p:tgtEl>
+                                      </p:cBhvr>
+                                    </p:animEffect>
+                                  </p:childTnLst>
+                                </p:cTn>
+                              </p:par>
+                            </p:childTnLst>
+                          </p:cTn>
+                        </p:par>
+                      </p:childTnLst>
+                    </p:cTn>
+                  </p:par>
+                </p:childTnLst>
+              </p:cTn>
+              <p:prevCondLst>
+                <p:cond evt="onPrev" delay="0">
+                  <p:tgtEl>
+                    <p:sldTgt/>
+                  </p:tgtEl>
+                </p:cond>
+              </p:prevCondLst>
+              <p:nextCondLst>
+                <p:cond evt="onNext" delay="0">
+                  <p:tgtEl>
+                    <p:sldTgt/>
+                  </p:tgtEl>
+                </p:cond>
+              </p:nextCondLst>
+            </p:seq>
+          </p:childTnLst>
+        </p:cTn>
+      </p:par>
+    </p:tnLst>
+  </p:timing>
+</p:sld>
+</file>
+
+<file path=ppt/slides/slide7.xml><?xml version="1.0" encoding="utf-8"?>
+<p:sld xmlns:a="http://schemas.openxmlformats.org/drawingml/2006/main" xmlns:r="http://schemas.openxmlformats.org/officeDocument/2006/relationships" xmlns:p="http://schemas.openxmlformats.org/presentationml/2006/main">
+  <p:cSld>
+    <p:spTree>
+      <p:nvGrpSpPr>
+        <p:cNvPr id="1" name=""/>
+        <p:cNvGrpSpPr/>
+        <p:nvPr/>
+      </p:nvGrpSpPr>
+      <p:grpSpPr>
+        <a:xfrm>
+          <a:off x="0" y="0"/>
+          <a:ext cx="0" cy="0"/>
+          <a:chOff x="0" y="0"/>
+          <a:chExt cx="0" cy="0"/>
+        </a:xfrm>
+      </p:grpSpPr>
+      <p:sp>
+        <p:nvSpPr>
+          <p:cNvPr id="2" name="Título 1"/>
+          <p:cNvSpPr>
+            <a:spLocks noGrp="1"/>
+          </p:cNvSpPr>
+          <p:nvPr>
+            <p:ph type="ctrTitle"/>
+          </p:nvPr>
+        </p:nvSpPr>
+        <p:spPr>
+          <a:xfrm>
+            <a:off x="357158" y="428604"/>
+            <a:ext cx="8458200" cy="1222375"/>
+          </a:xfrm>
+        </p:spPr>
+        <p:txBody>
+          <a:bodyPr/>
+          <a:lstStyle/>
+          <a:p>
+            <a:r>
+              <a:rPr lang="pt-BR" dirty="0" err="1" smtClean="0">
+                <a:solidFill>
+                  <a:schemeClr val="accent1">
+                    <a:lumMod val="50000"/>
+                  </a:schemeClr>
+                </a:solidFill>
+              </a:rPr>
+              <a:t>Publico-alvo</a:t>
+            </a:r>
+            <a:endParaRPr lang="pt-BR" dirty="0" smtClean="0">
+              <a:solidFill>
+                <a:schemeClr val="accent1">
+                  <a:lumMod val="50000"/>
+                </a:schemeClr>
+              </a:solidFill>
+            </a:endParaRPr>
+          </a:p>
+        </p:txBody>
+      </p:sp>
+      <p:pic>
+        <p:nvPicPr>
+          <p:cNvPr id="2050" name="Picture 2" descr="C:\Users\Familia\Downloads\users6.png"/>
+          <p:cNvPicPr>
+            <a:picLocks noChangeAspect="1" noChangeArrowheads="1"/>
+          </p:cNvPicPr>
+          <p:nvPr/>
+        </p:nvPicPr>
+        <p:blipFill>
+          <a:blip r:embed="rId3">
+            <a:duotone>
+              <a:schemeClr val="accent6">
+                <a:shade val="45000"/>
+                <a:satMod val="135000"/>
+              </a:schemeClr>
+              <a:prstClr val="white"/>
+            </a:duotone>
+          </a:blip>
+          <a:srcRect/>
+          <a:stretch>
+            <a:fillRect/>
+          </a:stretch>
+        </p:blipFill>
+        <p:spPr bwMode="auto">
+          <a:xfrm>
+            <a:off x="3352800" y="2209800"/>
+            <a:ext cx="2438400" cy="2438400"/>
+          </a:xfrm>
+          <a:prstGeom prst="rect">
+            <a:avLst/>
+          </a:prstGeom>
+          <a:noFill/>
+        </p:spPr>
+      </p:pic>
+    </p:spTree>
+  </p:cSld>
+  <p:clrMapOvr>
+    <a:masterClrMapping/>
+  </p:clrMapOvr>
+  <p:timing>
+    <p:tnLst>
+      <p:par>
+        <p:cTn id="1" dur="indefinite" restart="never" nodeType="tmRoot"/>
+      </p:par>
+    </p:tnLst>
+  </p:timing>
+</p:sld>
+</file>
+
+<file path=ppt/slides/slide8.xml><?xml version="1.0" encoding="utf-8"?>
+<p:sld xmlns:a="http://schemas.openxmlformats.org/drawingml/2006/main" xmlns:r="http://schemas.openxmlformats.org/officeDocument/2006/relationships" xmlns:p="http://schemas.openxmlformats.org/presentationml/2006/main">
+  <p:cSld>
+    <p:spTree>
+      <p:nvGrpSpPr>
+        <p:cNvPr id="1" name=""/>
+        <p:cNvGrpSpPr/>
+        <p:nvPr/>
+      </p:nvGrpSpPr>
+      <p:grpSpPr>
+        <a:xfrm>
+          <a:off x="0" y="0"/>
+          <a:ext cx="0" cy="0"/>
+          <a:chOff x="0" y="0"/>
+          <a:chExt cx="0" cy="0"/>
+        </a:xfrm>
+      </p:grpSpPr>
+      <p:sp>
+        <p:nvSpPr>
+          <p:cNvPr id="2" name="Título 1"/>
+          <p:cNvSpPr>
+            <a:spLocks noGrp="1"/>
+          </p:cNvSpPr>
+          <p:nvPr>
+            <p:ph type="ctrTitle"/>
+          </p:nvPr>
+        </p:nvSpPr>
+        <p:spPr>
+          <a:xfrm>
+            <a:off x="357158" y="428604"/>
+            <a:ext cx="8458200" cy="1222375"/>
+          </a:xfrm>
+        </p:spPr>
+        <p:txBody>
+          <a:bodyPr/>
+          <a:lstStyle/>
+          <a:p>
+            <a:r>
+              <a:rPr lang="pt-BR" dirty="0" smtClean="0">
+                <a:solidFill>
+                  <a:schemeClr val="accent1">
+                    <a:lumMod val="50000"/>
+                  </a:schemeClr>
+                </a:solidFill>
+              </a:rPr>
+              <a:t>Custos/Lucro</a:t>
+            </a:r>
+            <a:endParaRPr lang="pt-BR" dirty="0" smtClean="0">
+              <a:solidFill>
+                <a:schemeClr val="accent1">
+                  <a:lumMod val="50000"/>
+                </a:schemeClr>
+              </a:solidFill>
+            </a:endParaRPr>
+          </a:p>
+        </p:txBody>
+      </p:sp>
+      <p:sp>
+        <p:nvSpPr>
+          <p:cNvPr id="5" name="CaixaDeTexto 4"/>
+          <p:cNvSpPr txBox="1"/>
+          <p:nvPr/>
+        </p:nvSpPr>
+        <p:spPr>
+          <a:xfrm>
+            <a:off x="857224" y="3571876"/>
+            <a:ext cx="184731" cy="646331"/>
+          </a:xfrm>
+          <a:prstGeom prst="rect">
+            <a:avLst/>
+          </a:prstGeom>
+          <a:noFill/>
+        </p:spPr>
+        <p:txBody>
+          <a:bodyPr wrap="none" rtlCol="0">
+            <a:spAutoFit/>
+          </a:bodyPr>
+          <a:lstStyle/>
+          <a:p>
+            <a:endParaRPr lang="pt-BR" dirty="0" smtClean="0"/>
+          </a:p>
+          <a:p>
+            <a:endParaRPr lang="pt-BR" dirty="0"/>
+          </a:p>
+        </p:txBody>
+      </p:sp>
+      <p:grpSp>
+        <p:nvGrpSpPr>
+          <p:cNvPr id="13" name="Grupo 12"/>
+          <p:cNvGrpSpPr/>
+          <p:nvPr/>
+        </p:nvGrpSpPr>
+        <p:grpSpPr>
+          <a:xfrm>
+            <a:off x="714348" y="2211165"/>
+            <a:ext cx="1852815" cy="2217967"/>
+            <a:chOff x="714348" y="2211165"/>
+            <a:chExt cx="1852815" cy="2217967"/>
+          </a:xfrm>
+        </p:grpSpPr>
+        <p:pic>
+          <p:nvPicPr>
+            <p:cNvPr id="3074" name="Picture 2" descr="C:\Users\Familia\Downloads\settings13.png"/>
+            <p:cNvPicPr>
+              <a:picLocks noChangeAspect="1" noChangeArrowheads="1"/>
+            </p:cNvPicPr>
+            <p:nvPr/>
+          </p:nvPicPr>
+          <p:blipFill>
+            <a:blip r:embed="rId3">
+              <a:duotone>
+                <a:schemeClr val="accent6">
+                  <a:shade val="45000"/>
+                  <a:satMod val="135000"/>
+                </a:schemeClr>
+                <a:prstClr val="white"/>
+              </a:duotone>
+            </a:blip>
+            <a:srcRect/>
+            <a:stretch>
+              <a:fillRect/>
+            </a:stretch>
+          </p:blipFill>
+          <p:spPr bwMode="auto">
+            <a:xfrm>
+              <a:off x="1000100" y="2211165"/>
+              <a:ext cx="1219200" cy="1219200"/>
+            </a:xfrm>
+            <a:prstGeom prst="rect">
+              <a:avLst/>
+            </a:prstGeom>
+            <a:noFill/>
+          </p:spPr>
+        </p:pic>
+        <p:sp>
+          <p:nvSpPr>
+            <p:cNvPr id="6" name="CaixaDeTexto 5"/>
+            <p:cNvSpPr txBox="1"/>
+            <p:nvPr/>
+          </p:nvSpPr>
+          <p:spPr>
+            <a:xfrm>
+              <a:off x="714348" y="3782801"/>
+              <a:ext cx="1852815" cy="646331"/>
+            </a:xfrm>
+            <a:prstGeom prst="rect">
+              <a:avLst/>
+            </a:prstGeom>
+            <a:noFill/>
+          </p:spPr>
+          <p:txBody>
+            <a:bodyPr wrap="none" rtlCol="0">
+              <a:spAutoFit/>
+            </a:bodyPr>
+            <a:lstStyle/>
+            <a:p>
+              <a:pPr algn="ctr"/>
+              <a:r>
+                <a:rPr lang="pt-BR" dirty="0" smtClean="0">
+                  <a:solidFill>
+                    <a:schemeClr val="accent1">
+                      <a:lumMod val="50000"/>
+                    </a:schemeClr>
+                  </a:solidFill>
+                </a:rPr>
+                <a:t>Desenvolvimento</a:t>
+              </a:r>
+            </a:p>
+            <a:p>
+              <a:pPr algn="ctr"/>
+              <a:r>
+                <a:rPr lang="pt-BR" b="1" dirty="0" smtClean="0">
+                  <a:solidFill>
+                    <a:schemeClr val="accent1">
+                      <a:lumMod val="50000"/>
+                    </a:schemeClr>
+                  </a:solidFill>
+                </a:rPr>
+                <a:t>500h</a:t>
+              </a:r>
+            </a:p>
+          </p:txBody>
+        </p:sp>
+      </p:grpSp>
+      <p:grpSp>
+        <p:nvGrpSpPr>
+          <p:cNvPr id="14" name="Grupo 13"/>
+          <p:cNvGrpSpPr/>
+          <p:nvPr/>
+        </p:nvGrpSpPr>
+        <p:grpSpPr>
+          <a:xfrm>
+            <a:off x="3580953" y="2281238"/>
+            <a:ext cx="2062617" cy="2151283"/>
+            <a:chOff x="3580953" y="2281238"/>
+            <a:chExt cx="2062617" cy="2151283"/>
+          </a:xfrm>
+        </p:grpSpPr>
+        <p:sp>
+          <p:nvSpPr>
+            <p:cNvPr id="8" name="CaixaDeTexto 7"/>
+            <p:cNvSpPr txBox="1"/>
+            <p:nvPr/>
+          </p:nvSpPr>
+          <p:spPr>
+            <a:xfrm>
+              <a:off x="3580953" y="3786190"/>
+              <a:ext cx="2062617" cy="646331"/>
+            </a:xfrm>
+            <a:prstGeom prst="rect">
+              <a:avLst/>
+            </a:prstGeom>
+            <a:noFill/>
+          </p:spPr>
+          <p:txBody>
+            <a:bodyPr wrap="none" rtlCol="0">
+              <a:spAutoFit/>
+            </a:bodyPr>
+            <a:lstStyle/>
+            <a:p>
+              <a:pPr algn="ctr"/>
+              <a:r>
+                <a:rPr lang="pt-BR" dirty="0" smtClean="0">
+                  <a:solidFill>
+                    <a:schemeClr val="accent1">
+                      <a:lumMod val="50000"/>
+                    </a:schemeClr>
+                  </a:solidFill>
+                </a:rPr>
+                <a:t>Investimento Inicial</a:t>
+              </a:r>
+            </a:p>
+            <a:p>
+              <a:pPr algn="ctr"/>
+              <a:r>
+                <a:rPr lang="pt-BR" b="1" dirty="0" smtClean="0">
+                  <a:solidFill>
+                    <a:schemeClr val="accent1">
+                      <a:lumMod val="50000"/>
+                    </a:schemeClr>
+                  </a:solidFill>
+                </a:rPr>
+                <a:t>R$5.000,00</a:t>
+              </a:r>
+            </a:p>
+          </p:txBody>
+        </p:sp>
+        <p:pic>
+          <p:nvPicPr>
+            <p:cNvPr id="3075" name="Picture 3" descr="C:\Users\Familia\Downloads\money132.png"/>
+            <p:cNvPicPr>
+              <a:picLocks noChangeAspect="1" noChangeArrowheads="1"/>
+            </p:cNvPicPr>
+            <p:nvPr/>
+          </p:nvPicPr>
+          <p:blipFill>
+            <a:blip r:embed="rId4">
+              <a:duotone>
+                <a:schemeClr val="accent6">
+                  <a:shade val="45000"/>
+                  <a:satMod val="135000"/>
+                </a:schemeClr>
+                <a:prstClr val="white"/>
+              </a:duotone>
+            </a:blip>
+            <a:srcRect/>
+            <a:stretch>
+              <a:fillRect/>
+            </a:stretch>
+          </p:blipFill>
+          <p:spPr bwMode="auto">
+            <a:xfrm>
+              <a:off x="3995742" y="2281238"/>
+              <a:ext cx="1219200" cy="1219200"/>
+            </a:xfrm>
+            <a:prstGeom prst="rect">
+              <a:avLst/>
+            </a:prstGeom>
+            <a:noFill/>
+          </p:spPr>
+        </p:pic>
+      </p:grpSp>
+      <p:grpSp>
+        <p:nvGrpSpPr>
+          <p:cNvPr id="15" name="Grupo 14"/>
+          <p:cNvGrpSpPr/>
+          <p:nvPr/>
+        </p:nvGrpSpPr>
+        <p:grpSpPr>
+          <a:xfrm>
+            <a:off x="6853262" y="2285992"/>
+            <a:ext cx="1219200" cy="2146529"/>
+            <a:chOff x="6853262" y="2285992"/>
+            <a:chExt cx="1219200" cy="2146529"/>
+          </a:xfrm>
+        </p:grpSpPr>
+        <p:sp>
+          <p:nvSpPr>
+            <p:cNvPr id="10" name="CaixaDeTexto 9"/>
+            <p:cNvSpPr txBox="1"/>
+            <p:nvPr/>
+          </p:nvSpPr>
+          <p:spPr>
+            <a:xfrm>
+              <a:off x="6918043" y="3786190"/>
+              <a:ext cx="1154419" cy="646331"/>
+            </a:xfrm>
+            <a:prstGeom prst="rect">
+              <a:avLst/>
+            </a:prstGeom>
+            <a:noFill/>
+          </p:spPr>
+          <p:txBody>
+            <a:bodyPr wrap="none" rtlCol="0">
+              <a:spAutoFit/>
+            </a:bodyPr>
+            <a:lstStyle/>
+            <a:p>
+              <a:pPr algn="ctr"/>
+              <a:r>
+                <a:rPr lang="pt-BR" dirty="0" err="1" smtClean="0">
+                  <a:solidFill>
+                    <a:schemeClr val="accent1">
+                      <a:lumMod val="50000"/>
+                    </a:schemeClr>
+                  </a:solidFill>
+                </a:rPr>
+                <a:t>Payback</a:t>
+              </a:r>
+              <a:endParaRPr lang="pt-BR" dirty="0" smtClean="0">
+                <a:solidFill>
+                  <a:schemeClr val="accent1">
+                    <a:lumMod val="50000"/>
+                  </a:schemeClr>
+                </a:solidFill>
+              </a:endParaRPr>
+            </a:p>
+            <a:p>
+              <a:pPr algn="ctr"/>
+              <a:r>
+                <a:rPr lang="pt-BR" b="1" dirty="0" smtClean="0">
+                  <a:solidFill>
+                    <a:schemeClr val="accent1">
+                      <a:lumMod val="50000"/>
+                    </a:schemeClr>
+                  </a:solidFill>
+                </a:rPr>
+                <a:t>15 meses</a:t>
+              </a:r>
+            </a:p>
+          </p:txBody>
+        </p:sp>
+        <p:pic>
+          <p:nvPicPr>
+            <p:cNvPr id="3076" name="Picture 4" descr="C:\Users\Familia\Downloads\chart34.png"/>
+            <p:cNvPicPr>
+              <a:picLocks noChangeAspect="1" noChangeArrowheads="1"/>
+            </p:cNvPicPr>
+            <p:nvPr/>
+          </p:nvPicPr>
+          <p:blipFill>
+            <a:blip r:embed="rId5">
+              <a:duotone>
+                <a:schemeClr val="accent6">
+                  <a:shade val="45000"/>
+                  <a:satMod val="135000"/>
+                </a:schemeClr>
+                <a:prstClr val="white"/>
+              </a:duotone>
+            </a:blip>
+            <a:srcRect/>
+            <a:stretch>
+              <a:fillRect/>
+            </a:stretch>
+          </p:blipFill>
+          <p:spPr bwMode="auto">
+            <a:xfrm>
+              <a:off x="6853262" y="2285992"/>
+              <a:ext cx="1219200" cy="1219200"/>
+            </a:xfrm>
+            <a:prstGeom prst="rect">
+              <a:avLst/>
+            </a:prstGeom>
+            <a:noFill/>
+          </p:spPr>
+        </p:pic>
+      </p:grpSp>
+      <p:sp>
+        <p:nvSpPr>
+          <p:cNvPr id="16" name="CaixaDeTexto 15"/>
+          <p:cNvSpPr txBox="1"/>
+          <p:nvPr/>
+        </p:nvSpPr>
+        <p:spPr>
+          <a:xfrm>
+            <a:off x="285720" y="5329024"/>
+            <a:ext cx="8572560" cy="1600438"/>
+          </a:xfrm>
+          <a:prstGeom prst="rect">
+            <a:avLst/>
+          </a:prstGeom>
+          <a:noFill/>
+        </p:spPr>
+        <p:txBody>
+          <a:bodyPr wrap="square" rtlCol="0">
+            <a:spAutoFit/>
+          </a:bodyPr>
+          <a:lstStyle/>
+          <a:p>
+            <a:r>
+              <a:rPr lang="pt-BR" sz="1400" dirty="0" smtClean="0">
+                <a:solidFill>
+                  <a:schemeClr val="accent1">
+                    <a:lumMod val="50000"/>
+                  </a:schemeClr>
+                </a:solidFill>
+              </a:rPr>
+              <a:t>Premissas:</a:t>
+            </a:r>
+            <a:endParaRPr lang="pt-BR" sz="1400" dirty="0">
+              <a:solidFill>
+                <a:schemeClr val="accent1">
+                  <a:lumMod val="50000"/>
+                </a:schemeClr>
+              </a:solidFill>
+            </a:endParaRPr>
+          </a:p>
+          <a:p>
+            <a:pPr>
+              <a:buFont typeface="Arial" pitchFamily="34" charset="0"/>
+              <a:buChar char="•"/>
+            </a:pPr>
+            <a:r>
+              <a:rPr lang="pt-BR" sz="1400" dirty="0">
+                <a:solidFill>
+                  <a:schemeClr val="accent1">
+                    <a:lumMod val="50000"/>
+                  </a:schemeClr>
+                </a:solidFill>
+              </a:rPr>
+              <a:t>Hora de </a:t>
+            </a:r>
+            <a:r>
+              <a:rPr lang="pt-BR" sz="1400" dirty="0" err="1">
+                <a:solidFill>
+                  <a:schemeClr val="accent1">
+                    <a:lumMod val="50000"/>
+                  </a:schemeClr>
+                </a:solidFill>
+              </a:rPr>
+              <a:t>desenolvimento</a:t>
+            </a:r>
+            <a:r>
+              <a:rPr lang="pt-BR" sz="1400" dirty="0">
+                <a:solidFill>
+                  <a:schemeClr val="accent1">
+                    <a:lumMod val="50000"/>
+                  </a:schemeClr>
+                </a:solidFill>
+              </a:rPr>
+              <a:t>: R$10/h</a:t>
+            </a:r>
+          </a:p>
+          <a:p>
+            <a:pPr>
+              <a:buFont typeface="Arial" pitchFamily="34" charset="0"/>
+              <a:buChar char="•"/>
+            </a:pPr>
+            <a:r>
+              <a:rPr lang="pt-BR" sz="1400" dirty="0">
+                <a:solidFill>
+                  <a:schemeClr val="accent1">
+                    <a:lumMod val="50000"/>
+                  </a:schemeClr>
+                </a:solidFill>
+              </a:rPr>
+              <a:t>O retorno é gerado através de propagandas no site, que esta atrelada ao numero de usuários no site,</a:t>
+            </a:r>
+          </a:p>
+          <a:p>
+            <a:pPr>
+              <a:buFont typeface="Arial" pitchFamily="34" charset="0"/>
+              <a:buChar char="•"/>
+            </a:pPr>
+            <a:r>
+              <a:rPr lang="pt-BR" sz="1400" dirty="0" smtClean="0">
+                <a:solidFill>
+                  <a:schemeClr val="accent1">
+                    <a:lumMod val="50000"/>
+                  </a:schemeClr>
+                </a:solidFill>
+              </a:rPr>
+              <a:t>O numero </a:t>
+            </a:r>
+            <a:r>
+              <a:rPr lang="pt-BR" sz="1400" dirty="0">
+                <a:solidFill>
+                  <a:schemeClr val="accent1">
+                    <a:lumMod val="50000"/>
+                  </a:schemeClr>
+                </a:solidFill>
+              </a:rPr>
+              <a:t>de usuários dobra a cada mês durante um ano e depois cresce a uma proporção de </a:t>
+            </a:r>
+            <a:r>
+              <a:rPr lang="pt-BR" sz="1400" dirty="0" smtClean="0">
+                <a:solidFill>
+                  <a:schemeClr val="accent1">
+                    <a:lumMod val="50000"/>
+                  </a:schemeClr>
+                </a:solidFill>
+              </a:rPr>
+              <a:t>5</a:t>
+            </a:r>
+            <a:r>
+              <a:rPr lang="pt-BR" sz="1400" dirty="0">
+                <a:solidFill>
+                  <a:schemeClr val="accent1">
+                    <a:lumMod val="50000"/>
+                  </a:schemeClr>
+                </a:solidFill>
+              </a:rPr>
+              <a:t>% por mês </a:t>
+            </a:r>
+            <a:endParaRPr lang="pt-BR" sz="1400" dirty="0" smtClean="0">
+              <a:solidFill>
+                <a:schemeClr val="accent1">
+                  <a:lumMod val="50000"/>
+                </a:schemeClr>
+              </a:solidFill>
+            </a:endParaRPr>
+          </a:p>
+          <a:p>
+            <a:pPr>
+              <a:buFont typeface="Arial" pitchFamily="34" charset="0"/>
+              <a:buChar char="•"/>
+            </a:pPr>
+            <a:r>
+              <a:rPr lang="pt-BR" sz="1400" dirty="0">
+                <a:solidFill>
+                  <a:schemeClr val="accent1">
+                    <a:lumMod val="50000"/>
+                  </a:schemeClr>
+                </a:solidFill>
+              </a:rPr>
+              <a:t>P</a:t>
+            </a:r>
+            <a:r>
+              <a:rPr lang="pt-BR" sz="1400" dirty="0" smtClean="0">
+                <a:solidFill>
+                  <a:schemeClr val="accent1">
+                    <a:lumMod val="50000"/>
+                  </a:schemeClr>
+                </a:solidFill>
+              </a:rPr>
+              <a:t>ara </a:t>
+            </a:r>
+            <a:r>
+              <a:rPr lang="pt-BR" sz="1400" dirty="0">
+                <a:solidFill>
+                  <a:schemeClr val="accent1">
+                    <a:lumMod val="50000"/>
+                  </a:schemeClr>
+                </a:solidFill>
+              </a:rPr>
+              <a:t>cada 20 usuários por mês ganhamos 1 real </a:t>
+            </a:r>
+            <a:endParaRPr lang="pt-BR" sz="1400" dirty="0" smtClean="0">
+              <a:solidFill>
+                <a:schemeClr val="accent1">
+                  <a:lumMod val="50000"/>
+                </a:schemeClr>
+              </a:solidFill>
+            </a:endParaRPr>
+          </a:p>
+          <a:p>
+            <a:pPr>
+              <a:buFont typeface="Arial" pitchFamily="34" charset="0"/>
+              <a:buChar char="•"/>
+            </a:pPr>
+            <a:r>
+              <a:rPr lang="pt-BR" sz="1400" dirty="0" smtClean="0">
+                <a:solidFill>
+                  <a:schemeClr val="accent1">
+                    <a:lumMod val="50000"/>
+                  </a:schemeClr>
+                </a:solidFill>
+              </a:rPr>
+              <a:t>O  </a:t>
+            </a:r>
+            <a:r>
+              <a:rPr lang="pt-BR" sz="1400" dirty="0">
+                <a:solidFill>
+                  <a:schemeClr val="accent1">
+                    <a:lumMod val="50000"/>
+                  </a:schemeClr>
+                </a:solidFill>
+              </a:rPr>
+              <a:t>site iniciando com 10 usuários</a:t>
+            </a:r>
+          </a:p>
+          <a:p>
+            <a:pPr>
+              <a:buFont typeface="Arial" pitchFamily="34" charset="0"/>
+              <a:buChar char="•"/>
+            </a:pPr>
+            <a:endParaRPr lang="pt-BR" sz="1400" b="1" dirty="0" smtClean="0">
+              <a:solidFill>
+                <a:schemeClr val="accent1">
+                  <a:lumMod val="50000"/>
+                </a:schemeClr>
+              </a:solidFill>
+            </a:endParaRPr>
+          </a:p>
+        </p:txBody>
+      </p:sp>
+    </p:spTree>
+  </p:cSld>
+  <p:clrMapOvr>
+    <a:masterClrMapping/>
+  </p:clrMapOvr>
+  <p:timing>
+    <p:tnLst>
+      <p:par>
+        <p:cTn id="1" dur="indefinite" restart="never" nodeType="tmRoot">
+          <p:childTnLst>
+            <p:seq concurrent="1" nextAc="seek">
+              <p:cTn id="2" dur="indefinite" nodeType="mainSeq">
+                <p:childTnLst>
+                  <p:par>
+                    <p:cTn id="3" fill="hold">
+                      <p:stCondLst>
+                        <p:cond delay="indefinite"/>
+                      </p:stCondLst>
+                      <p:childTnLst>
+                        <p:par>
+                          <p:cTn id="4" fill="hold">
+                            <p:stCondLst>
+                              <p:cond delay="0"/>
+                            </p:stCondLst>
+                            <p:childTnLst>
+                              <p:par>
+                                <p:cTn id="5" presetID="4" presetClass="entr" presetSubtype="16" fill="hold" nodeType="clickEffect">
+                                  <p:stCondLst>
+                                    <p:cond delay="0"/>
+                                  </p:stCondLst>
+                                  <p:childTnLst>
+                                    <p:set>
+                                      <p:cBhvr>
+                                        <p:cTn id="6" dur="1" fill="hold">
+                                          <p:stCondLst>
+                                            <p:cond delay="0"/>
+                                          </p:stCondLst>
+                                        </p:cTn>
+                                        <p:tgtEl>
+                                          <p:spTgt spid="13"/>
+                                        </p:tgtEl>
+                                        <p:attrNameLst>
+                                          <p:attrName>style.visibility</p:attrName>
+                                        </p:attrNameLst>
+                                      </p:cBhvr>
+                                      <p:to>
+                                        <p:strVal val="visible"/>
+                                      </p:to>
+                                    </p:set>
+                                    <p:animEffect transition="in" filter="box(in)">
+                                      <p:cBhvr>
+                                        <p:cTn id="7" dur="500"/>
+                                        <p:tgtEl>
+                                          <p:spTgt spid="13"/>
+                                        </p:tgtEl>
+                                      </p:cBhvr>
+                                    </p:animEffect>
+                                  </p:childTnLst>
+                                </p:cTn>
+                              </p:par>
+                            </p:childTnLst>
+                          </p:cTn>
+                        </p:par>
+                      </p:childTnLst>
+                    </p:cTn>
+                  </p:par>
+                  <p:par>
+                    <p:cTn id="8" fill="hold">
+                      <p:stCondLst>
+                        <p:cond delay="indefinite"/>
+                      </p:stCondLst>
+                      <p:childTnLst>
+                        <p:par>
+                          <p:cTn id="9" fill="hold">
+                            <p:stCondLst>
+                              <p:cond delay="0"/>
+                            </p:stCondLst>
+                            <p:childTnLst>
+                              <p:par>
+                                <p:cTn id="10" presetID="4" presetClass="entr" presetSubtype="16" fill="hold" nodeType="clickEffect">
+                                  <p:stCondLst>
+                                    <p:cond delay="0"/>
+                                  </p:stCondLst>
+                                  <p:childTnLst>
+                                    <p:set>
+                                      <p:cBhvr>
+                                        <p:cTn id="11" dur="1" fill="hold">
+                                          <p:stCondLst>
+                                            <p:cond delay="0"/>
+                                          </p:stCondLst>
+                                        </p:cTn>
+                                        <p:tgtEl>
+                                          <p:spTgt spid="14"/>
+                                        </p:tgtEl>
+                                        <p:attrNameLst>
+                                          <p:attrName>style.visibility</p:attrName>
+                                        </p:attrNameLst>
+                                      </p:cBhvr>
+                                      <p:to>
+                                        <p:strVal val="visible"/>
+                                      </p:to>
+                                    </p:set>
+                                    <p:animEffect transition="in" filter="box(in)">
+                                      <p:cBhvr>
+                                        <p:cTn id="12" dur="500"/>
+                                        <p:tgtEl>
+                                          <p:spTgt spid="14"/>
+                                        </p:tgtEl>
+                                      </p:cBhvr>
+                                    </p:animEffect>
+                                  </p:childTnLst>
+                                </p:cTn>
+                              </p:par>
+                            </p:childTnLst>
+                          </p:cTn>
+                        </p:par>
+                      </p:childTnLst>
+                    </p:cTn>
+                  </p:par>
+                  <p:par>
+                    <p:cTn id="13" fill="hold">
+                      <p:stCondLst>
+                        <p:cond delay="indefinite"/>
+                      </p:stCondLst>
+                      <p:childTnLst>
+                        <p:par>
+                          <p:cTn id="14" fill="hold">
+                            <p:stCondLst>
+                              <p:cond delay="0"/>
+                            </p:stCondLst>
+                            <p:childTnLst>
+                              <p:par>
+                                <p:cTn id="15" presetID="4" presetClass="entr" presetSubtype="16" fill="hold" nodeType="clickEffect">
+                                  <p:stCondLst>
+                                    <p:cond delay="0"/>
+                                  </p:stCondLst>
+                                  <p:childTnLst>
+                                    <p:set>
+                                      <p:cBhvr>
+                                        <p:cTn id="16" dur="1" fill="hold">
+                                          <p:stCondLst>
+                                            <p:cond delay="0"/>
+                                          </p:stCondLst>
+                                        </p:cTn>
+                                        <p:tgtEl>
+                                          <p:spTgt spid="15"/>
+                                        </p:tgtEl>
+                                        <p:attrNameLst>
+                                          <p:attrName>style.visibility</p:attrName>
+                                        </p:attrNameLst>
+                                      </p:cBhvr>
+                                      <p:to>
+                                        <p:strVal val="visible"/>
+                                      </p:to>
+                                    </p:set>
+                                    <p:animEffect transition="in" filter="box(in)">
+                                      <p:cBhvr>
+                                        <p:cTn id="17" dur="500"/>
+                                        <p:tgtEl>
+                                          <p:spTgt spid="15"/>
+                                        </p:tgtEl>
+                                      </p:cBhvr>
+                                    </p:animEffect>
+                                  </p:childTnLst>
+                                </p:cTn>
+                              </p:par>
+                              <p:par>
+                                <p:cTn id="18" presetID="4" presetClass="entr" presetSubtype="16" fill="hold" grpId="0" nodeType="withEffect">
+                                  <p:stCondLst>
+                                    <p:cond delay="0"/>
+                                  </p:stCondLst>
+                                  <p:childTnLst>
+                                    <p:set>
+                                      <p:cBhvr>
+                                        <p:cTn id="19" dur="1" fill="hold">
+                                          <p:stCondLst>
+                                            <p:cond delay="0"/>
+                                          </p:stCondLst>
+                                        </p:cTn>
+                                        <p:tgtEl>
+                                          <p:spTgt spid="16"/>
+                                        </p:tgtEl>
+                                        <p:attrNameLst>
+                                          <p:attrName>style.visibility</p:attrName>
+                                        </p:attrNameLst>
+                                      </p:cBhvr>
+                                      <p:to>
+                                        <p:strVal val="visible"/>
+                                      </p:to>
+                                    </p:set>
+                                    <p:animEffect transition="in" filter="box(in)">
+                                      <p:cBhvr>
+                                        <p:cTn id="20" dur="500"/>
+                                        <p:tgtEl>
+                                          <p:spTgt spid="16"/>
+                                        </p:tgtEl>
+                                      </p:cBhvr>
+                                    </p:animEffect>
+                                  </p:childTnLst>
+                                </p:cTn>
+                              </p:par>
+                            </p:childTnLst>
+                          </p:cTn>
+                        </p:par>
+                      </p:childTnLst>
+                    </p:cTn>
+                  </p:par>
+                </p:childTnLst>
+              </p:cTn>
+              <p:prevCondLst>
+                <p:cond evt="onPrev" delay="0">
+                  <p:tgtEl>
+                    <p:sldTgt/>
+                  </p:tgtEl>
+                </p:cond>
+              </p:prevCondLst>
+              <p:nextCondLst>
+                <p:cond evt="onNext" delay="0">
+                  <p:tgtEl>
+                    <p:sldTgt/>
+                  </p:tgtEl>
+                </p:cond>
+              </p:nextCondLst>
+            </p:seq>
+          </p:childTnLst>
+        </p:cTn>
+      </p:par>
+    </p:tnLst>
+    <p:bldLst>
+      <p:bldP spid="16" grpId="0"/>
+    </p:bldLst>
+  </p:timing>
+</p:sld>
+</file>
+
+<file path=ppt/slides/slide9.xml><?xml version="1.0" encoding="utf-8"?>
+<p:sld xmlns:a="http://schemas.openxmlformats.org/drawingml/2006/main" xmlns:r="http://schemas.openxmlformats.org/officeDocument/2006/relationships" xmlns:p="http://schemas.openxmlformats.org/presentationml/2006/main">
+  <p:cSld>
+    <p:spTree>
+      <p:nvGrpSpPr>
+        <p:cNvPr id="1" name=""/>
+        <p:cNvGrpSpPr/>
+        <p:nvPr/>
+      </p:nvGrpSpPr>
+      <p:grpSpPr>
+        <a:xfrm>
+          <a:off x="0" y="0"/>
+          <a:ext cx="0" cy="0"/>
+          <a:chOff x="0" y="0"/>
+          <a:chExt cx="0" cy="0"/>
+        </a:xfrm>
+      </p:grpSpPr>
+      <p:sp>
+        <p:nvSpPr>
+          <p:cNvPr id="2" name="Título 1"/>
+          <p:cNvSpPr>
+            <a:spLocks noGrp="1"/>
+          </p:cNvSpPr>
+          <p:nvPr>
+            <p:ph type="ctrTitle"/>
+          </p:nvPr>
+        </p:nvSpPr>
+        <p:spPr>
+          <a:xfrm>
+            <a:off x="357158" y="428604"/>
+            <a:ext cx="8458200" cy="1222375"/>
+          </a:xfrm>
+        </p:spPr>
+        <p:txBody>
+          <a:bodyPr/>
+          <a:lstStyle/>
+          <a:p>
+            <a:r>
+              <a:rPr lang="pt-BR" dirty="0" smtClean="0">
+                <a:solidFill>
+                  <a:schemeClr val="accent1">
+                    <a:lumMod val="50000"/>
+                  </a:schemeClr>
+                </a:solidFill>
+              </a:rPr>
+              <a:t>Valor agregado</a:t>
+            </a:r>
+            <a:endParaRPr lang="pt-BR" dirty="0" smtClean="0">
+              <a:solidFill>
+                <a:schemeClr val="accent1">
+                  <a:lumMod val="50000"/>
+                </a:schemeClr>
+              </a:solidFill>
+            </a:endParaRPr>
+          </a:p>
+        </p:txBody>
+      </p:sp>
+      <p:sp>
+        <p:nvSpPr>
+          <p:cNvPr id="4" name="CaixaDeTexto 3"/>
+          <p:cNvSpPr txBox="1"/>
+          <p:nvPr/>
+        </p:nvSpPr>
+        <p:spPr>
+          <a:xfrm>
+            <a:off x="642910" y="2571744"/>
+            <a:ext cx="3357618" cy="923330"/>
+          </a:xfrm>
+          <a:prstGeom prst="rect">
+            <a:avLst/>
+          </a:prstGeom>
+          <a:noFill/>
+        </p:spPr>
+        <p:txBody>
+          <a:bodyPr wrap="square" rtlCol="0">
+            <a:spAutoFit/>
+          </a:bodyPr>
+          <a:lstStyle/>
+          <a:p>
+            <a:pPr>
+              <a:buFont typeface="Arial" pitchFamily="34" charset="0"/>
+              <a:buChar char="•"/>
+            </a:pPr>
+            <a:r>
+              <a:rPr lang="pt-BR" dirty="0" smtClean="0">
+                <a:solidFill>
+                  <a:schemeClr val="accent1">
+                    <a:lumMod val="50000"/>
+                  </a:schemeClr>
+                </a:solidFill>
+              </a:rPr>
+              <a:t> Distribuição gratuita de conhecimento</a:t>
+            </a:r>
+          </a:p>
+          <a:p>
+            <a:pPr>
+              <a:buFont typeface="Arial" pitchFamily="34" charset="0"/>
+              <a:buChar char="•"/>
+            </a:pPr>
+            <a:endParaRPr lang="pt-BR" dirty="0" smtClean="0">
+              <a:solidFill>
+                <a:schemeClr val="accent1">
+                  <a:lumMod val="50000"/>
+                </a:schemeClr>
+              </a:solidFill>
+            </a:endParaRPr>
+          </a:p>
+        </p:txBody>
+      </p:sp>
+      <p:pic>
+        <p:nvPicPr>
+          <p:cNvPr id="4098" name="Picture 2" descr="C:\Users\Familia\Downloads\knowledge-management.jpg"/>
+          <p:cNvPicPr>
+            <a:picLocks noChangeAspect="1" noChangeArrowheads="1"/>
+          </p:cNvPicPr>
+          <p:nvPr/>
+        </p:nvPicPr>
+        <p:blipFill>
+          <a:blip r:embed="rId3"/>
+          <a:srcRect/>
+          <a:stretch>
+            <a:fillRect/>
+          </a:stretch>
+        </p:blipFill>
+        <p:spPr bwMode="auto">
+          <a:xfrm>
+            <a:off x="4357686" y="1428736"/>
+            <a:ext cx="4360865" cy="4357718"/>
+          </a:xfrm>
+          <a:prstGeom prst="rect">
+            <a:avLst/>
+          </a:prstGeom>
+          <a:noFill/>
+        </p:spPr>
+      </p:pic>
+      <p:sp>
+        <p:nvSpPr>
+          <p:cNvPr id="6" name="CaixaDeTexto 5"/>
+          <p:cNvSpPr txBox="1"/>
+          <p:nvPr/>
+        </p:nvSpPr>
+        <p:spPr>
+          <a:xfrm>
+            <a:off x="642910" y="3357562"/>
+            <a:ext cx="3356496" cy="923330"/>
+          </a:xfrm>
+          <a:prstGeom prst="rect">
+            <a:avLst/>
+          </a:prstGeom>
+          <a:noFill/>
+        </p:spPr>
+        <p:txBody>
+          <a:bodyPr wrap="none" rtlCol="0">
+            <a:spAutoFit/>
+          </a:bodyPr>
+          <a:lstStyle/>
+          <a:p>
+            <a:pPr>
+              <a:buFont typeface="Arial" pitchFamily="34" charset="0"/>
+              <a:buChar char="•"/>
+            </a:pPr>
+            <a:r>
+              <a:rPr lang="pt-BR" dirty="0" smtClean="0">
+                <a:solidFill>
+                  <a:schemeClr val="accent1">
+                    <a:lumMod val="50000"/>
+                  </a:schemeClr>
+                </a:solidFill>
+              </a:rPr>
+              <a:t> Horizontalizarão da informação</a:t>
+            </a:r>
+          </a:p>
+          <a:p>
+            <a:pPr>
+              <a:buFont typeface="Arial" pitchFamily="34" charset="0"/>
+              <a:buChar char="•"/>
+            </a:pPr>
+            <a:endParaRPr lang="pt-BR" dirty="0" smtClean="0">
+              <a:solidFill>
+                <a:schemeClr val="accent1">
+                  <a:lumMod val="50000"/>
+                </a:schemeClr>
+              </a:solidFill>
+            </a:endParaRPr>
+          </a:p>
+          <a:p>
+            <a:endParaRPr lang="pt-BR" dirty="0"/>
+          </a:p>
+        </p:txBody>
+      </p:sp>
+      <p:sp>
+        <p:nvSpPr>
+          <p:cNvPr id="7" name="CaixaDeTexto 6"/>
+          <p:cNvSpPr txBox="1"/>
+          <p:nvPr/>
+        </p:nvSpPr>
+        <p:spPr>
+          <a:xfrm>
+            <a:off x="642910" y="4000504"/>
+            <a:ext cx="2982996" cy="646331"/>
+          </a:xfrm>
+          <a:prstGeom prst="rect">
+            <a:avLst/>
+          </a:prstGeom>
+          <a:noFill/>
+        </p:spPr>
+        <p:txBody>
+          <a:bodyPr wrap="none" rtlCol="0">
+            <a:spAutoFit/>
+          </a:bodyPr>
+          <a:lstStyle/>
+          <a:p>
+            <a:pPr>
+              <a:buFont typeface="Arial" pitchFamily="34" charset="0"/>
+              <a:buChar char="•"/>
+            </a:pPr>
+            <a:r>
+              <a:rPr lang="pt-BR" dirty="0" smtClean="0">
+                <a:solidFill>
+                  <a:schemeClr val="accent1">
+                    <a:lumMod val="50000"/>
+                  </a:schemeClr>
+                </a:solidFill>
+              </a:rPr>
+              <a:t> Plataforma de ajuda mútua</a:t>
+            </a:r>
+          </a:p>
+          <a:p>
+            <a:pPr>
+              <a:buFont typeface="Arial" pitchFamily="34" charset="0"/>
+              <a:buChar char="•"/>
+            </a:pPr>
+            <a:endParaRPr lang="pt-BR" dirty="0"/>
+          </a:p>
+        </p:txBody>
+      </p:sp>
+    </p:spTree>
+  </p:cSld>
+  <p:clrMapOvr>
+    <a:masterClrMapping/>
+  </p:clrMapOvr>
+  <p:timing>
+    <p:tnLst>
+      <p:par>
+        <p:cTn id="1" dur="indefinite" restart="never" nodeType="tmRoot">
+          <p:childTnLst>
+            <p:seq concurrent="1" nextAc="seek">
+              <p:cTn id="2" dur="indefinite" nodeType="mainSeq">
+                <p:childTnLst>
+                  <p:par>
+                    <p:cTn id="3" fill="hold">
+                      <p:stCondLst>
+                        <p:cond delay="indefinite"/>
+                      </p:stCondLst>
+                      <p:childTnLst>
+                        <p:par>
+                          <p:cTn id="4" fill="hold">
+                            <p:stCondLst>
+                              <p:cond delay="0"/>
+                            </p:stCondLst>
+                            <p:childTnLst>
+                              <p:par>
+                                <p:cTn id="5" presetID="4" presetClass="entr" presetSubtype="16" fill="hold" grpId="1" nodeType="clickEffect">
+                                  <p:stCondLst>
+                                    <p:cond delay="0"/>
+                                  </p:stCondLst>
+                                  <p:childTnLst>
+                                    <p:set>
+                                      <p:cBhvr>
+                                        <p:cTn id="6" dur="1" fill="hold">
+                                          <p:stCondLst>
+                                            <p:cond delay="0"/>
+                                          </p:stCondLst>
+                                        </p:cTn>
+                                        <p:tgtEl>
+                                          <p:spTgt spid="4"/>
+                                        </p:tgtEl>
+                                        <p:attrNameLst>
+                                          <p:attrName>style.visibility</p:attrName>
+                                        </p:attrNameLst>
+                                      </p:cBhvr>
+                                      <p:to>
+                                        <p:strVal val="visible"/>
+                                      </p:to>
+                                    </p:set>
+                                    <p:animEffect transition="in" filter="box(in)">
+                                      <p:cBhvr>
+                                        <p:cTn id="7" dur="500"/>
+                                        <p:tgtEl>
+                                          <p:spTgt spid="4"/>
+                                        </p:tgtEl>
+                                      </p:cBhvr>
+                                    </p:animEffect>
+                                  </p:childTnLst>
+                                </p:cTn>
+                              </p:par>
+                            </p:childTnLst>
+                          </p:cTn>
+                        </p:par>
+                      </p:childTnLst>
+                    </p:cTn>
+                  </p:par>
+                  <p:par>
+                    <p:cTn id="8" fill="hold">
+                      <p:stCondLst>
+                        <p:cond delay="indefinite"/>
+                      </p:stCondLst>
+                      <p:childTnLst>
+                        <p:par>
+                          <p:cTn id="9" fill="hold">
+                            <p:stCondLst>
+                              <p:cond delay="0"/>
+                            </p:stCondLst>
+                            <p:childTnLst>
+                              <p:par>
+                                <p:cTn id="10" presetID="4" presetClass="entr" presetSubtype="16" fill="hold" grpId="0" nodeType="clickEffect">
+                                  <p:stCondLst>
+                                    <p:cond delay="0"/>
+                                  </p:stCondLst>
+                                  <p:childTnLst>
+                                    <p:set>
+                                      <p:cBhvr>
+                                        <p:cTn id="11" dur="1" fill="hold">
+                                          <p:stCondLst>
+                                            <p:cond delay="0"/>
+                                          </p:stCondLst>
+                                        </p:cTn>
+                                        <p:tgtEl>
+                                          <p:spTgt spid="6"/>
+                                        </p:tgtEl>
+                                        <p:attrNameLst>
+                                          <p:attrName>style.visibility</p:attrName>
+                                        </p:attrNameLst>
+                                      </p:cBhvr>
+                                      <p:to>
+                                        <p:strVal val="visible"/>
+                                      </p:to>
+                                    </p:set>
+                                    <p:animEffect transition="in" filter="box(in)">
+                                      <p:cBhvr>
+                                        <p:cTn id="12" dur="500"/>
+                                        <p:tgtEl>
+                                          <p:spTgt spid="6"/>
+                                        </p:tgtEl>
+                                      </p:cBhvr>
+                                    </p:animEffect>
+                                  </p:childTnLst>
+                                </p:cTn>
+                              </p:par>
+                            </p:childTnLst>
+                          </p:cTn>
+                        </p:par>
+                      </p:childTnLst>
+                    </p:cTn>
+                  </p:par>
+                  <p:par>
+                    <p:cTn id="13" fill="hold">
+                      <p:stCondLst>
+                        <p:cond delay="indefinite"/>
+                      </p:stCondLst>
+                      <p:childTnLst>
+                        <p:par>
+                          <p:cTn id="14" fill="hold">
+                            <p:stCondLst>
+                              <p:cond delay="0"/>
+                            </p:stCondLst>
+                            <p:childTnLst>
+                              <p:par>
+                                <p:cTn id="15" presetID="4" presetClass="entr" presetSubtype="16" fill="hold" grpId="0" nodeType="clickEffect">
+                                  <p:stCondLst>
+                                    <p:cond delay="0"/>
+                                  </p:stCondLst>
+                                  <p:childTnLst>
+                                    <p:set>
+                                      <p:cBhvr>
+                                        <p:cTn id="16" dur="1" fill="hold">
+                                          <p:stCondLst>
+                                            <p:cond delay="0"/>
+                                          </p:stCondLst>
+                                        </p:cTn>
+                                        <p:tgtEl>
+                                          <p:spTgt spid="7"/>
+                                        </p:tgtEl>
+                                        <p:attrNameLst>
+                                          <p:attrName>style.visibility</p:attrName>
+                                        </p:attrNameLst>
+                                      </p:cBhvr>
+                                      <p:to>
+                                        <p:strVal val="visible"/>
+                                      </p:to>
+                                    </p:set>
+                                    <p:animEffect transition="in" filter="box(in)">
+                                      <p:cBhvr>
+                                        <p:cTn id="17" dur="500"/>
+                                        <p:tgtEl>
+                                          <p:spTgt spid="7"/>
+                                        </p:tgtEl>
+                                      </p:cBhvr>
+                                    </p:animEffect>
+                                  </p:childTnLst>
+                                </p:cTn>
+                              </p:par>
+                            </p:childTnLst>
+                          </p:cTn>
+                        </p:par>
+                      </p:childTnLst>
+                    </p:cTn>
+                  </p:par>
+                </p:childTnLst>
+              </p:cTn>
+              <p:prevCondLst>
+                <p:cond evt="onPrev" delay="0">
+                  <p:tgtEl>
+                    <p:sldTgt/>
+                  </p:tgtEl>
+                </p:cond>
+              </p:prevCondLst>
+              <p:nextCondLst>
+                <p:cond evt="onNext" delay="0">
+                  <p:tgtEl>
+                    <p:sldTgt/>
+                  </p:tgtEl>
+                </p:cond>
+              </p:nextCondLst>
+            </p:seq>
+          </p:childTnLst>
+        </p:cTn>
+      </p:par>
+    </p:tnLst>
+    <p:bldLst>
+      <p:bldP spid="4" grpId="1"/>
+      <p:bldP spid="6" grpId="0"/>
+      <p:bldP spid="7" grpId="0"/>
     </p:bldLst>
   </p:timing>
 </p:sld>
